--- a/03-bundling/07-vite-lib/00-teoría/Creando librerías con Vite.pptx
+++ b/03-bundling/07-vite-lib/00-teoría/Creando librerías con Vite.pptx
@@ -315,7 +315,7 @@
       </p15:sldGuideLst>
     </p:ext>
     <p:ext uri="http://customooxmlschemas.google.com/">
-      <go:slidesCustomData xmlns="" xmlns:mc="http://schemas.openxmlformats.org/markup-compatibility/2006" xmlns:mv="urn:schemas-microsoft-com:mac:vml" xmlns:c="http://schemas.openxmlformats.org/drawingml/2006/chart" xmlns:dgm="http://schemas.openxmlformats.org/drawingml/2006/diagram" xmlns:o="urn:schemas-microsoft-com:office:office" xmlns:v="urn:schemas-microsoft-com:vml" xmlns:pvml="urn:schemas-microsoft-com:office:powerpoint" xmlns:com="http://schemas.openxmlformats.org/drawingml/2006/compatibility" xmlns:p14="http://schemas.microsoft.com/office/powerpoint/2010/main" xmlns:p15="http://schemas.microsoft.com/office/powerpoint/2012/main" xmlns:ahyp="http://schemas.microsoft.com/office/drawing/2018/hyperlinkcolor" xmlns:go="http://customooxmlschemas.google.com/" r:id="rId40" roundtripDataSignature="AMtx7mhrNPmTgZHa7K1yj3rRNKBZC0AtBg=="/>
+      <go:slidesCustomData xmlns:go="http://customooxmlschemas.google.com/" xmlns:ahyp="http://schemas.microsoft.com/office/drawing/2018/hyperlinkcolor" xmlns:p15="http://schemas.microsoft.com/office/powerpoint/2012/main" xmlns:p14="http://schemas.microsoft.com/office/powerpoint/2010/main" xmlns:com="http://schemas.openxmlformats.org/drawingml/2006/compatibility" xmlns:pvml="urn:schemas-microsoft-com:office:powerpoint" xmlns:v="urn:schemas-microsoft-com:vml" xmlns:o="urn:schemas-microsoft-com:office:office" xmlns:dgm="http://schemas.openxmlformats.org/drawingml/2006/diagram" xmlns:c="http://schemas.openxmlformats.org/drawingml/2006/chart" xmlns:mv="urn:schemas-microsoft-com:mac:vml" xmlns:mc="http://schemas.openxmlformats.org/markup-compatibility/2006" xmlns="" r:id="rId40" roundtripDataSignature="AMtx7mhrNPmTgZHa7K1yj3rRNKBZC0AtBg=="/>
     </p:ext>
   </p:extLst>
 </p:presentation>
@@ -1623,7 +1623,79 @@
             </a:pPr>
             <a:r>
               <a:rPr lang="es-ES" sz="1100" dirty="0"/>
-              <a:t>Es cierto que en frontend tenemos librerías para casi todo. La comunidad es enorme y el ecosistema muy rico, pero siempre es un plus si colaboráis con vuestro granito de arena. Además, las librerías no tienen que ser públicas, abiertas para toda la comunidad y disponibles en un repositorio público, sino que, en muchas ocasiones, las publicaréis de forma interna para la empresa o proyecto en el que estéis trabajando. Es bastante común en proyectos grandes tener librerías comunes de utilidades, componentes, herramientas internas, etc. que son transversales a los equipos y que toda la empresa utiliza para armonizar estrategias.</a:t>
+              <a:t>- Podéis animaros con librerías públicas, colaborando con vuestro pequeño granito de arena. Es cierto que en </a:t>
+            </a:r>
+            <a:r>
+              <a:rPr lang="es-ES" sz="1100" dirty="0" err="1"/>
+              <a:t>frontend</a:t>
+            </a:r>
+            <a:r>
+              <a:rPr lang="es-ES" sz="1100" dirty="0"/>
+              <a:t> tenemos librerías para casi todo, la comunidad es enorme y el ecosistema muy rico, pero seguro que quedan casos por cubrir. Además, no tenéis que pensar en librerías complejas, hay ejemplos de </a:t>
+            </a:r>
+            <a:r>
+              <a:rPr lang="es-ES" sz="1100" dirty="0" err="1"/>
+              <a:t>microlibrerías</a:t>
+            </a:r>
+            <a:r>
+              <a:rPr lang="es-ES" sz="1100" dirty="0"/>
+              <a:t> tremendamente populares, como </a:t>
+            </a:r>
+            <a:r>
+              <a:rPr lang="es-ES" sz="1100" dirty="0" err="1"/>
+              <a:t>is-number</a:t>
+            </a:r>
+            <a:r>
+              <a:rPr lang="es-ES" sz="1100" dirty="0"/>
+              <a:t>, </a:t>
+            </a:r>
+            <a:r>
+              <a:rPr lang="es-ES" sz="1100" dirty="0" err="1"/>
+              <a:t>is-odd</a:t>
+            </a:r>
+            <a:r>
+              <a:rPr lang="es-ES" sz="1100" dirty="0"/>
+              <a:t>, </a:t>
+            </a:r>
+            <a:r>
+              <a:rPr lang="es-ES" sz="1100" dirty="0" err="1"/>
+              <a:t>pad-left</a:t>
+            </a:r>
+            <a:r>
+              <a:rPr lang="es-ES" sz="1100" dirty="0"/>
+              <a:t>, etc. No necesariamente hay que descubrir el nuevo </a:t>
+            </a:r>
+            <a:r>
+              <a:rPr lang="es-ES" sz="1100" dirty="0" err="1"/>
+              <a:t>framework</a:t>
+            </a:r>
+            <a:r>
+              <a:rPr lang="es-ES" sz="1100" dirty="0"/>
+              <a:t> de </a:t>
+            </a:r>
+            <a:r>
+              <a:rPr lang="es-ES" sz="1100"/>
+              <a:t>moda.</a:t>
+            </a:r>
+            <a:br>
+              <a:rPr lang="es-ES" sz="1100"/>
+            </a:br>
+            <a:endParaRPr lang="es-ES" sz="1100" dirty="0"/>
+          </a:p>
+          <a:p>
+            <a:pPr marL="0" lvl="0" indent="0" algn="l" rtl="0">
+              <a:spcBef>
+                <a:spcPts val="0"/>
+              </a:spcBef>
+              <a:spcAft>
+                <a:spcPts val="0"/>
+              </a:spcAft>
+              <a:buFontTx/>
+              <a:buNone/>
+            </a:pPr>
+            <a:r>
+              <a:rPr lang="es-ES" sz="1100" dirty="0"/>
+              <a:t>- Pero es que hay otro caso de uso muy probable, no tienen por que ser librerías públicas, sino que, en muchas ocasiones, las publicaréis de forma interna para la empresa o proyecto en el que estéis trabajando. Es bastante común en proyectos grandes tener librerías comunes de utilidades, componentes, herramientas internas, etc. que son transversales a los equipos y que toda la empresa utiliza para armonizar estrategias.</a:t>
             </a:r>
           </a:p>
         </p:txBody>
@@ -16446,7 +16518,7 @@
           </a:ln>
           <a:extLst>
             <a:ext uri="{C572A759-6A51-4108-AA02-DFA0A04FC94B}">
-              <ma14:wrappingTextBoxFlag xmlns:ma14="http://schemas.microsoft.com/office/mac/drawingml/2011/main" xmlns:a14="http://schemas.microsoft.com/office/drawing/2010/main" xmlns:m="http://schemas.openxmlformats.org/officeDocument/2006/math" xmlns="" val="1"/>
+              <ma14:wrappingTextBoxFlag xmlns="" xmlns:m="http://schemas.openxmlformats.org/officeDocument/2006/math" xmlns:a14="http://schemas.microsoft.com/office/drawing/2010/main" xmlns:ma14="http://schemas.microsoft.com/office/mac/drawingml/2011/main" val="1"/>
             </a:ext>
           </a:extLst>
         </p:spPr>
@@ -16498,7 +16570,7 @@
           </a:ln>
           <a:extLst>
             <a:ext uri="{C572A759-6A51-4108-AA02-DFA0A04FC94B}">
-              <ma14:wrappingTextBoxFlag xmlns:ma14="http://schemas.microsoft.com/office/mac/drawingml/2011/main" xmlns:a14="http://schemas.microsoft.com/office/drawing/2010/main" xmlns:m="http://schemas.openxmlformats.org/officeDocument/2006/math" xmlns="" val="1"/>
+              <ma14:wrappingTextBoxFlag xmlns="" xmlns:m="http://schemas.openxmlformats.org/officeDocument/2006/math" xmlns:a14="http://schemas.microsoft.com/office/drawing/2010/main" xmlns:ma14="http://schemas.microsoft.com/office/mac/drawingml/2011/main" val="1"/>
             </a:ext>
           </a:extLst>
         </p:spPr>
@@ -16951,7 +17023,7 @@
           <a:effectLst/>
           <a:extLst>
             <a:ext uri="{C572A759-6A51-4108-AA02-DFA0A04FC94B}">
-              <ma14:wrappingTextBoxFlag xmlns="" xmlns:m="http://schemas.openxmlformats.org/officeDocument/2006/math" xmlns:a14="http://schemas.microsoft.com/office/drawing/2010/main" xmlns:ma14="http://schemas.microsoft.com/office/mac/drawingml/2011/main" val="1"/>
+              <ma14:wrappingTextBoxFlag xmlns:ma14="http://schemas.microsoft.com/office/mac/drawingml/2011/main" xmlns:a14="http://schemas.microsoft.com/office/drawing/2010/main" xmlns:m="http://schemas.openxmlformats.org/officeDocument/2006/math" xmlns="" val="1"/>
             </a:ext>
           </a:extLst>
         </p:spPr>
@@ -17011,7 +17083,7 @@
           <a:effectLst/>
           <a:extLst>
             <a:ext uri="{C572A759-6A51-4108-AA02-DFA0A04FC94B}">
-              <ma14:wrappingTextBoxFlag xmlns="" xmlns:m="http://schemas.openxmlformats.org/officeDocument/2006/math" xmlns:a14="http://schemas.microsoft.com/office/drawing/2010/main" xmlns:ma14="http://schemas.microsoft.com/office/mac/drawingml/2011/main" val="1"/>
+              <ma14:wrappingTextBoxFlag xmlns:ma14="http://schemas.microsoft.com/office/mac/drawingml/2011/main" xmlns:a14="http://schemas.microsoft.com/office/drawing/2010/main" xmlns:m="http://schemas.openxmlformats.org/officeDocument/2006/math" xmlns="" val="1"/>
             </a:ext>
           </a:extLst>
         </p:spPr>
@@ -17079,7 +17151,7 @@
           <a:effectLst/>
           <a:extLst>
             <a:ext uri="{C572A759-6A51-4108-AA02-DFA0A04FC94B}">
-              <ma14:wrappingTextBoxFlag xmlns="" xmlns:m="http://schemas.openxmlformats.org/officeDocument/2006/math" xmlns:a14="http://schemas.microsoft.com/office/drawing/2010/main" xmlns:ma14="http://schemas.microsoft.com/office/mac/drawingml/2011/main" val="1"/>
+              <ma14:wrappingTextBoxFlag xmlns:ma14="http://schemas.microsoft.com/office/mac/drawingml/2011/main" xmlns:a14="http://schemas.microsoft.com/office/drawing/2010/main" xmlns:m="http://schemas.openxmlformats.org/officeDocument/2006/math" xmlns="" val="1"/>
             </a:ext>
           </a:extLst>
         </p:spPr>
@@ -17139,7 +17211,7 @@
           <a:effectLst/>
           <a:extLst>
             <a:ext uri="{C572A759-6A51-4108-AA02-DFA0A04FC94B}">
-              <ma14:wrappingTextBoxFlag xmlns="" xmlns:m="http://schemas.openxmlformats.org/officeDocument/2006/math" xmlns:a14="http://schemas.microsoft.com/office/drawing/2010/main" xmlns:ma14="http://schemas.microsoft.com/office/mac/drawingml/2011/main" val="1"/>
+              <ma14:wrappingTextBoxFlag xmlns:ma14="http://schemas.microsoft.com/office/mac/drawingml/2011/main" xmlns:a14="http://schemas.microsoft.com/office/drawing/2010/main" xmlns:m="http://schemas.openxmlformats.org/officeDocument/2006/math" xmlns="" val="1"/>
             </a:ext>
           </a:extLst>
         </p:spPr>
@@ -17305,7 +17377,7 @@
           </a:ln>
           <a:extLst>
             <a:ext uri="{C572A759-6A51-4108-AA02-DFA0A04FC94B}">
-              <ma14:wrappingTextBoxFlag xmlns="" xmlns:m="http://schemas.openxmlformats.org/officeDocument/2006/math" xmlns:a14="http://schemas.microsoft.com/office/drawing/2010/main" xmlns:ma14="http://schemas.microsoft.com/office/mac/drawingml/2011/main" val="1"/>
+              <ma14:wrappingTextBoxFlag xmlns:ma14="http://schemas.microsoft.com/office/mac/drawingml/2011/main" xmlns:a14="http://schemas.microsoft.com/office/drawing/2010/main" xmlns:m="http://schemas.openxmlformats.org/officeDocument/2006/math" xmlns="" val="1"/>
             </a:ext>
           </a:extLst>
         </p:spPr>
@@ -17576,7 +17648,7 @@
             <a:effectLst/>
             <a:extLst>
               <a:ext uri="{C572A759-6A51-4108-AA02-DFA0A04FC94B}">
-                <ma14:wrappingTextBoxFlag xmlns="" xmlns:m="http://schemas.openxmlformats.org/officeDocument/2006/math" xmlns:a14="http://schemas.microsoft.com/office/drawing/2010/main" xmlns:ma14="http://schemas.microsoft.com/office/mac/drawingml/2011/main" val="1"/>
+                <ma14:wrappingTextBoxFlag xmlns:ma14="http://schemas.microsoft.com/office/mac/drawingml/2011/main" xmlns:a14="http://schemas.microsoft.com/office/drawing/2010/main" xmlns:m="http://schemas.openxmlformats.org/officeDocument/2006/math" xmlns="" val="1"/>
               </a:ext>
             </a:extLst>
           </p:spPr>
@@ -17626,7 +17698,7 @@
             <a:effectLst/>
             <a:extLst>
               <a:ext uri="{C572A759-6A51-4108-AA02-DFA0A04FC94B}">
-                <ma14:wrappingTextBoxFlag xmlns="" xmlns:m="http://schemas.openxmlformats.org/officeDocument/2006/math" xmlns:a14="http://schemas.microsoft.com/office/drawing/2010/main" xmlns:ma14="http://schemas.microsoft.com/office/mac/drawingml/2011/main" val="1"/>
+                <ma14:wrappingTextBoxFlag xmlns:ma14="http://schemas.microsoft.com/office/mac/drawingml/2011/main" xmlns:a14="http://schemas.microsoft.com/office/drawing/2010/main" xmlns:m="http://schemas.openxmlformats.org/officeDocument/2006/math" xmlns="" val="1"/>
               </a:ext>
             </a:extLst>
           </p:spPr>
@@ -17676,7 +17748,7 @@
             <a:effectLst/>
             <a:extLst>
               <a:ext uri="{C572A759-6A51-4108-AA02-DFA0A04FC94B}">
-                <ma14:wrappingTextBoxFlag xmlns="" xmlns:m="http://schemas.openxmlformats.org/officeDocument/2006/math" xmlns:a14="http://schemas.microsoft.com/office/drawing/2010/main" xmlns:ma14="http://schemas.microsoft.com/office/mac/drawingml/2011/main" val="1"/>
+                <ma14:wrappingTextBoxFlag xmlns:ma14="http://schemas.microsoft.com/office/mac/drawingml/2011/main" xmlns:a14="http://schemas.microsoft.com/office/drawing/2010/main" xmlns:m="http://schemas.openxmlformats.org/officeDocument/2006/math" xmlns="" val="1"/>
               </a:ext>
             </a:extLst>
           </p:spPr>
@@ -17726,7 +17798,7 @@
             <a:effectLst/>
             <a:extLst>
               <a:ext uri="{C572A759-6A51-4108-AA02-DFA0A04FC94B}">
-                <ma14:wrappingTextBoxFlag xmlns="" xmlns:m="http://schemas.openxmlformats.org/officeDocument/2006/math" xmlns:a14="http://schemas.microsoft.com/office/drawing/2010/main" xmlns:ma14="http://schemas.microsoft.com/office/mac/drawingml/2011/main" val="1"/>
+                <ma14:wrappingTextBoxFlag xmlns:ma14="http://schemas.microsoft.com/office/mac/drawingml/2011/main" xmlns:a14="http://schemas.microsoft.com/office/drawing/2010/main" xmlns:m="http://schemas.openxmlformats.org/officeDocument/2006/math" xmlns="" val="1"/>
               </a:ext>
             </a:extLst>
           </p:spPr>
@@ -18018,7 +18090,7 @@
           <a:effectLst/>
           <a:extLst>
             <a:ext uri="{C572A759-6A51-4108-AA02-DFA0A04FC94B}">
-              <ma14:wrappingTextBoxFlag xmlns="" xmlns:m="http://schemas.openxmlformats.org/officeDocument/2006/math" xmlns:a14="http://schemas.microsoft.com/office/drawing/2010/main" xmlns:ma14="http://schemas.microsoft.com/office/mac/drawingml/2011/main" val="1"/>
+              <ma14:wrappingTextBoxFlag xmlns:ma14="http://schemas.microsoft.com/office/mac/drawingml/2011/main" xmlns:a14="http://schemas.microsoft.com/office/drawing/2010/main" xmlns:m="http://schemas.openxmlformats.org/officeDocument/2006/math" xmlns="" val="1"/>
             </a:ext>
           </a:extLst>
         </p:spPr>
@@ -18078,7 +18150,7 @@
           <a:effectLst/>
           <a:extLst>
             <a:ext uri="{C572A759-6A51-4108-AA02-DFA0A04FC94B}">
-              <ma14:wrappingTextBoxFlag xmlns="" xmlns:m="http://schemas.openxmlformats.org/officeDocument/2006/math" xmlns:a14="http://schemas.microsoft.com/office/drawing/2010/main" xmlns:ma14="http://schemas.microsoft.com/office/mac/drawingml/2011/main" val="1"/>
+              <ma14:wrappingTextBoxFlag xmlns:ma14="http://schemas.microsoft.com/office/mac/drawingml/2011/main" xmlns:a14="http://schemas.microsoft.com/office/drawing/2010/main" xmlns:m="http://schemas.openxmlformats.org/officeDocument/2006/math" xmlns="" val="1"/>
             </a:ext>
           </a:extLst>
         </p:spPr>
@@ -18138,7 +18210,7 @@
           <a:effectLst/>
           <a:extLst>
             <a:ext uri="{C572A759-6A51-4108-AA02-DFA0A04FC94B}">
-              <ma14:wrappingTextBoxFlag xmlns="" xmlns:m="http://schemas.openxmlformats.org/officeDocument/2006/math" xmlns:a14="http://schemas.microsoft.com/office/drawing/2010/main" xmlns:ma14="http://schemas.microsoft.com/office/mac/drawingml/2011/main" val="1"/>
+              <ma14:wrappingTextBoxFlag xmlns:ma14="http://schemas.microsoft.com/office/mac/drawingml/2011/main" xmlns:a14="http://schemas.microsoft.com/office/drawing/2010/main" xmlns:m="http://schemas.openxmlformats.org/officeDocument/2006/math" xmlns="" val="1"/>
             </a:ext>
           </a:extLst>
         </p:spPr>
@@ -19253,7 +19325,7 @@
           </a:ln>
           <a:extLst>
             <a:ext uri="{C572A759-6A51-4108-AA02-DFA0A04FC94B}">
-              <ma14:wrappingTextBoxFlag xmlns="" xmlns:m="http://schemas.openxmlformats.org/officeDocument/2006/math" xmlns:a14="http://schemas.microsoft.com/office/drawing/2010/main" xmlns:ma14="http://schemas.microsoft.com/office/mac/drawingml/2011/main" val="1"/>
+              <ma14:wrappingTextBoxFlag xmlns:ma14="http://schemas.microsoft.com/office/mac/drawingml/2011/main" xmlns:a14="http://schemas.microsoft.com/office/drawing/2010/main" xmlns:m="http://schemas.openxmlformats.org/officeDocument/2006/math" xmlns="" val="1"/>
             </a:ext>
           </a:extLst>
         </p:spPr>
@@ -19315,7 +19387,7 @@
           </a:ln>
           <a:extLst>
             <a:ext uri="{C572A759-6A51-4108-AA02-DFA0A04FC94B}">
-              <ma14:wrappingTextBoxFlag xmlns="" xmlns:m="http://schemas.openxmlformats.org/officeDocument/2006/math" xmlns:a14="http://schemas.microsoft.com/office/drawing/2010/main" xmlns:ma14="http://schemas.microsoft.com/office/mac/drawingml/2011/main" val="1"/>
+              <ma14:wrappingTextBoxFlag xmlns:ma14="http://schemas.microsoft.com/office/mac/drawingml/2011/main" xmlns:a14="http://schemas.microsoft.com/office/drawing/2010/main" xmlns:m="http://schemas.openxmlformats.org/officeDocument/2006/math" xmlns="" val="1"/>
             </a:ext>
           </a:extLst>
         </p:spPr>
@@ -21127,7 +21199,7 @@
           </a:ln>
           <a:extLst>
             <a:ext uri="{C572A759-6A51-4108-AA02-DFA0A04FC94B}">
-              <ma14:wrappingTextBoxFlag xmlns="" xmlns:m="http://schemas.openxmlformats.org/officeDocument/2006/math" xmlns:a14="http://schemas.microsoft.com/office/drawing/2010/main" xmlns:ma14="http://schemas.microsoft.com/office/mac/drawingml/2011/main" val="1"/>
+              <ma14:wrappingTextBoxFlag xmlns:ma14="http://schemas.microsoft.com/office/mac/drawingml/2011/main" xmlns:a14="http://schemas.microsoft.com/office/drawing/2010/main" xmlns:m="http://schemas.openxmlformats.org/officeDocument/2006/math" xmlns="" val="1"/>
             </a:ext>
           </a:extLst>
         </p:spPr>
@@ -21193,7 +21265,7 @@
           </a:ln>
           <a:extLst>
             <a:ext uri="{C572A759-6A51-4108-AA02-DFA0A04FC94B}">
-              <ma14:wrappingTextBoxFlag xmlns="" xmlns:m="http://schemas.openxmlformats.org/officeDocument/2006/math" xmlns:a14="http://schemas.microsoft.com/office/drawing/2010/main" xmlns:ma14="http://schemas.microsoft.com/office/mac/drawingml/2011/main" val="1"/>
+              <ma14:wrappingTextBoxFlag xmlns:ma14="http://schemas.microsoft.com/office/mac/drawingml/2011/main" xmlns:a14="http://schemas.microsoft.com/office/drawing/2010/main" xmlns:m="http://schemas.openxmlformats.org/officeDocument/2006/math" xmlns="" val="1"/>
             </a:ext>
           </a:extLst>
         </p:spPr>
@@ -22405,7 +22477,7 @@
           </a:ln>
           <a:extLst>
             <a:ext uri="{C572A759-6A51-4108-AA02-DFA0A04FC94B}">
-              <ma14:wrappingTextBoxFlag xmlns="" xmlns:m="http://schemas.openxmlformats.org/officeDocument/2006/math" xmlns:a14="http://schemas.microsoft.com/office/drawing/2010/main" xmlns:ma14="http://schemas.microsoft.com/office/mac/drawingml/2011/main" val="1"/>
+              <ma14:wrappingTextBoxFlag xmlns:ma14="http://schemas.microsoft.com/office/mac/drawingml/2011/main" xmlns:a14="http://schemas.microsoft.com/office/drawing/2010/main" xmlns:m="http://schemas.openxmlformats.org/officeDocument/2006/math" xmlns="" val="1"/>
             </a:ext>
           </a:extLst>
         </p:spPr>
@@ -22472,7 +22544,7 @@
           <a:effectLst/>
           <a:extLst>
             <a:ext uri="{C572A759-6A51-4108-AA02-DFA0A04FC94B}">
-              <ma14:wrappingTextBoxFlag xmlns="" xmlns:m="http://schemas.openxmlformats.org/officeDocument/2006/math" xmlns:a14="http://schemas.microsoft.com/office/drawing/2010/main" xmlns:ma14="http://schemas.microsoft.com/office/mac/drawingml/2011/main" val="1"/>
+              <ma14:wrappingTextBoxFlag xmlns:ma14="http://schemas.microsoft.com/office/mac/drawingml/2011/main" xmlns:a14="http://schemas.microsoft.com/office/drawing/2010/main" xmlns:m="http://schemas.openxmlformats.org/officeDocument/2006/math" xmlns="" val="1"/>
             </a:ext>
           </a:extLst>
         </p:spPr>
@@ -22536,7 +22608,7 @@
           <a:effectLst/>
           <a:extLst>
             <a:ext uri="{C572A759-6A51-4108-AA02-DFA0A04FC94B}">
-              <ma14:wrappingTextBoxFlag xmlns="" xmlns:m="http://schemas.openxmlformats.org/officeDocument/2006/math" xmlns:a14="http://schemas.microsoft.com/office/drawing/2010/main" xmlns:ma14="http://schemas.microsoft.com/office/mac/drawingml/2011/main" val="1"/>
+              <ma14:wrappingTextBoxFlag xmlns:ma14="http://schemas.microsoft.com/office/mac/drawingml/2011/main" xmlns:a14="http://schemas.microsoft.com/office/drawing/2010/main" xmlns:m="http://schemas.openxmlformats.org/officeDocument/2006/math" xmlns="" val="1"/>
             </a:ext>
           </a:extLst>
         </p:spPr>
@@ -22596,7 +22668,7 @@
           <a:effectLst/>
           <a:extLst>
             <a:ext uri="{C572A759-6A51-4108-AA02-DFA0A04FC94B}">
-              <ma14:wrappingTextBoxFlag xmlns="" xmlns:m="http://schemas.openxmlformats.org/officeDocument/2006/math" xmlns:a14="http://schemas.microsoft.com/office/drawing/2010/main" xmlns:ma14="http://schemas.microsoft.com/office/mac/drawingml/2011/main" val="1"/>
+              <ma14:wrappingTextBoxFlag xmlns:ma14="http://schemas.microsoft.com/office/mac/drawingml/2011/main" xmlns:a14="http://schemas.microsoft.com/office/drawing/2010/main" xmlns:m="http://schemas.openxmlformats.org/officeDocument/2006/math" xmlns="" val="1"/>
             </a:ext>
           </a:extLst>
         </p:spPr>
@@ -24302,7 +24374,7 @@
           <a:effectLst/>
           <a:extLst>
             <a:ext uri="{C572A759-6A51-4108-AA02-DFA0A04FC94B}">
-              <ma14:wrappingTextBoxFlag xmlns="" xmlns:m="http://schemas.openxmlformats.org/officeDocument/2006/math" xmlns:a14="http://schemas.microsoft.com/office/drawing/2010/main" xmlns:ma14="http://schemas.microsoft.com/office/mac/drawingml/2011/main" val="1"/>
+              <ma14:wrappingTextBoxFlag xmlns:ma14="http://schemas.microsoft.com/office/mac/drawingml/2011/main" xmlns:a14="http://schemas.microsoft.com/office/drawing/2010/main" xmlns:m="http://schemas.openxmlformats.org/officeDocument/2006/math" xmlns="" val="1"/>
             </a:ext>
           </a:extLst>
         </p:spPr>
@@ -24362,7 +24434,7 @@
           <a:effectLst/>
           <a:extLst>
             <a:ext uri="{C572A759-6A51-4108-AA02-DFA0A04FC94B}">
-              <ma14:wrappingTextBoxFlag xmlns="" xmlns:m="http://schemas.openxmlformats.org/officeDocument/2006/math" xmlns:a14="http://schemas.microsoft.com/office/drawing/2010/main" xmlns:ma14="http://schemas.microsoft.com/office/mac/drawingml/2011/main" val="1"/>
+              <ma14:wrappingTextBoxFlag xmlns:ma14="http://schemas.microsoft.com/office/mac/drawingml/2011/main" xmlns:a14="http://schemas.microsoft.com/office/drawing/2010/main" xmlns:m="http://schemas.openxmlformats.org/officeDocument/2006/math" xmlns="" val="1"/>
             </a:ext>
           </a:extLst>
         </p:spPr>
@@ -24422,7 +24494,7 @@
           <a:effectLst/>
           <a:extLst>
             <a:ext uri="{C572A759-6A51-4108-AA02-DFA0A04FC94B}">
-              <ma14:wrappingTextBoxFlag xmlns="" xmlns:m="http://schemas.openxmlformats.org/officeDocument/2006/math" xmlns:a14="http://schemas.microsoft.com/office/drawing/2010/main" xmlns:ma14="http://schemas.microsoft.com/office/mac/drawingml/2011/main" val="1"/>
+              <ma14:wrappingTextBoxFlag xmlns:ma14="http://schemas.microsoft.com/office/mac/drawingml/2011/main" xmlns:a14="http://schemas.microsoft.com/office/drawing/2010/main" xmlns:m="http://schemas.openxmlformats.org/officeDocument/2006/math" xmlns="" val="1"/>
             </a:ext>
           </a:extLst>
         </p:spPr>
@@ -24482,7 +24554,7 @@
           <a:effectLst/>
           <a:extLst>
             <a:ext uri="{C572A759-6A51-4108-AA02-DFA0A04FC94B}">
-              <ma14:wrappingTextBoxFlag xmlns="" xmlns:m="http://schemas.openxmlformats.org/officeDocument/2006/math" xmlns:a14="http://schemas.microsoft.com/office/drawing/2010/main" xmlns:ma14="http://schemas.microsoft.com/office/mac/drawingml/2011/main" val="1"/>
+              <ma14:wrappingTextBoxFlag xmlns:ma14="http://schemas.microsoft.com/office/mac/drawingml/2011/main" xmlns:a14="http://schemas.microsoft.com/office/drawing/2010/main" xmlns:m="http://schemas.openxmlformats.org/officeDocument/2006/math" xmlns="" val="1"/>
             </a:ext>
           </a:extLst>
         </p:spPr>
@@ -24542,7 +24614,7 @@
           <a:effectLst/>
           <a:extLst>
             <a:ext uri="{C572A759-6A51-4108-AA02-DFA0A04FC94B}">
-              <ma14:wrappingTextBoxFlag xmlns="" xmlns:m="http://schemas.openxmlformats.org/officeDocument/2006/math" xmlns:a14="http://schemas.microsoft.com/office/drawing/2010/main" xmlns:ma14="http://schemas.microsoft.com/office/mac/drawingml/2011/main" val="1"/>
+              <ma14:wrappingTextBoxFlag xmlns:ma14="http://schemas.microsoft.com/office/mac/drawingml/2011/main" xmlns:a14="http://schemas.microsoft.com/office/drawing/2010/main" xmlns:m="http://schemas.openxmlformats.org/officeDocument/2006/math" xmlns="" val="1"/>
             </a:ext>
           </a:extLst>
         </p:spPr>
@@ -24602,7 +24674,7 @@
           <a:effectLst/>
           <a:extLst>
             <a:ext uri="{C572A759-6A51-4108-AA02-DFA0A04FC94B}">
-              <ma14:wrappingTextBoxFlag xmlns="" xmlns:m="http://schemas.openxmlformats.org/officeDocument/2006/math" xmlns:a14="http://schemas.microsoft.com/office/drawing/2010/main" xmlns:ma14="http://schemas.microsoft.com/office/mac/drawingml/2011/main" val="1"/>
+              <ma14:wrappingTextBoxFlag xmlns:ma14="http://schemas.microsoft.com/office/mac/drawingml/2011/main" xmlns:a14="http://schemas.microsoft.com/office/drawing/2010/main" xmlns:m="http://schemas.openxmlformats.org/officeDocument/2006/math" xmlns="" val="1"/>
             </a:ext>
           </a:extLst>
         </p:spPr>
@@ -24662,7 +24734,7 @@
           <a:effectLst/>
           <a:extLst>
             <a:ext uri="{C572A759-6A51-4108-AA02-DFA0A04FC94B}">
-              <ma14:wrappingTextBoxFlag xmlns="" xmlns:m="http://schemas.openxmlformats.org/officeDocument/2006/math" xmlns:a14="http://schemas.microsoft.com/office/drawing/2010/main" xmlns:ma14="http://schemas.microsoft.com/office/mac/drawingml/2011/main" val="1"/>
+              <ma14:wrappingTextBoxFlag xmlns:ma14="http://schemas.microsoft.com/office/mac/drawingml/2011/main" xmlns:a14="http://schemas.microsoft.com/office/drawing/2010/main" xmlns:m="http://schemas.openxmlformats.org/officeDocument/2006/math" xmlns="" val="1"/>
             </a:ext>
           </a:extLst>
         </p:spPr>
@@ -24722,7 +24794,7 @@
           <a:effectLst/>
           <a:extLst>
             <a:ext uri="{C572A759-6A51-4108-AA02-DFA0A04FC94B}">
-              <ma14:wrappingTextBoxFlag xmlns="" xmlns:m="http://schemas.openxmlformats.org/officeDocument/2006/math" xmlns:a14="http://schemas.microsoft.com/office/drawing/2010/main" xmlns:ma14="http://schemas.microsoft.com/office/mac/drawingml/2011/main" val="1"/>
+              <ma14:wrappingTextBoxFlag xmlns:ma14="http://schemas.microsoft.com/office/mac/drawingml/2011/main" xmlns:a14="http://schemas.microsoft.com/office/drawing/2010/main" xmlns:m="http://schemas.openxmlformats.org/officeDocument/2006/math" xmlns="" val="1"/>
             </a:ext>
           </a:extLst>
         </p:spPr>
@@ -24782,7 +24854,7 @@
           <a:effectLst/>
           <a:extLst>
             <a:ext uri="{C572A759-6A51-4108-AA02-DFA0A04FC94B}">
-              <ma14:wrappingTextBoxFlag xmlns="" xmlns:m="http://schemas.openxmlformats.org/officeDocument/2006/math" xmlns:a14="http://schemas.microsoft.com/office/drawing/2010/main" xmlns:ma14="http://schemas.microsoft.com/office/mac/drawingml/2011/main" val="1"/>
+              <ma14:wrappingTextBoxFlag xmlns:ma14="http://schemas.microsoft.com/office/mac/drawingml/2011/main" xmlns:a14="http://schemas.microsoft.com/office/drawing/2010/main" xmlns:m="http://schemas.openxmlformats.org/officeDocument/2006/math" xmlns="" val="1"/>
             </a:ext>
           </a:extLst>
         </p:spPr>
@@ -24837,7 +24909,7 @@
           </a:ln>
           <a:extLst>
             <a:ext uri="{C572A759-6A51-4108-AA02-DFA0A04FC94B}">
-              <ma14:wrappingTextBoxFlag xmlns="" xmlns:m="http://schemas.openxmlformats.org/officeDocument/2006/math" xmlns:a14="http://schemas.microsoft.com/office/drawing/2010/main" xmlns:ma14="http://schemas.microsoft.com/office/mac/drawingml/2011/main" val="1"/>
+              <ma14:wrappingTextBoxFlag xmlns:ma14="http://schemas.microsoft.com/office/mac/drawingml/2011/main" xmlns:a14="http://schemas.microsoft.com/office/drawing/2010/main" xmlns:m="http://schemas.openxmlformats.org/officeDocument/2006/math" xmlns="" val="1"/>
             </a:ext>
           </a:extLst>
         </p:spPr>
@@ -24904,7 +24976,7 @@
           <a:effectLst/>
           <a:extLst>
             <a:ext uri="{C572A759-6A51-4108-AA02-DFA0A04FC94B}">
-              <ma14:wrappingTextBoxFlag xmlns="" xmlns:m="http://schemas.openxmlformats.org/officeDocument/2006/math" xmlns:a14="http://schemas.microsoft.com/office/drawing/2010/main" xmlns:ma14="http://schemas.microsoft.com/office/mac/drawingml/2011/main" val="1"/>
+              <ma14:wrappingTextBoxFlag xmlns:ma14="http://schemas.microsoft.com/office/mac/drawingml/2011/main" xmlns:a14="http://schemas.microsoft.com/office/drawing/2010/main" xmlns:m="http://schemas.openxmlformats.org/officeDocument/2006/math" xmlns="" val="1"/>
             </a:ext>
           </a:extLst>
         </p:spPr>
@@ -26527,7 +26599,7 @@
           </a:ln>
           <a:extLst>
             <a:ext uri="{C572A759-6A51-4108-AA02-DFA0A04FC94B}">
-              <ma14:wrappingTextBoxFlag xmlns="" xmlns:m="http://schemas.openxmlformats.org/officeDocument/2006/math" xmlns:a14="http://schemas.microsoft.com/office/drawing/2010/main" xmlns:ma14="http://schemas.microsoft.com/office/mac/drawingml/2011/main" val="1"/>
+              <ma14:wrappingTextBoxFlag xmlns:ma14="http://schemas.microsoft.com/office/mac/drawingml/2011/main" xmlns:a14="http://schemas.microsoft.com/office/drawing/2010/main" xmlns:m="http://schemas.openxmlformats.org/officeDocument/2006/math" xmlns="" val="1"/>
             </a:ext>
           </a:extLst>
         </p:spPr>
@@ -26589,7 +26661,7 @@
           </a:ln>
           <a:extLst>
             <a:ext uri="{C572A759-6A51-4108-AA02-DFA0A04FC94B}">
-              <ma14:wrappingTextBoxFlag xmlns="" xmlns:m="http://schemas.openxmlformats.org/officeDocument/2006/math" xmlns:a14="http://schemas.microsoft.com/office/drawing/2010/main" xmlns:ma14="http://schemas.microsoft.com/office/mac/drawingml/2011/main" val="1"/>
+              <ma14:wrappingTextBoxFlag xmlns:ma14="http://schemas.microsoft.com/office/mac/drawingml/2011/main" xmlns:a14="http://schemas.microsoft.com/office/drawing/2010/main" xmlns:m="http://schemas.openxmlformats.org/officeDocument/2006/math" xmlns="" val="1"/>
             </a:ext>
           </a:extLst>
         </p:spPr>
@@ -26756,7 +26828,7 @@
             <a:effectLst/>
             <a:extLst>
               <a:ext uri="{C572A759-6A51-4108-AA02-DFA0A04FC94B}">
-                <ma14:wrappingTextBoxFlag xmlns="" xmlns:m="http://schemas.openxmlformats.org/officeDocument/2006/math" xmlns:a14="http://schemas.microsoft.com/office/drawing/2010/main" xmlns:ma14="http://schemas.microsoft.com/office/mac/drawingml/2011/main" val="1"/>
+                <ma14:wrappingTextBoxFlag xmlns:ma14="http://schemas.microsoft.com/office/mac/drawingml/2011/main" xmlns:a14="http://schemas.microsoft.com/office/drawing/2010/main" xmlns:m="http://schemas.openxmlformats.org/officeDocument/2006/math" xmlns="" val="1"/>
               </a:ext>
             </a:extLst>
           </p:spPr>
@@ -26829,7 +26901,7 @@
             <a:effectLst/>
             <a:extLst>
               <a:ext uri="{C572A759-6A51-4108-AA02-DFA0A04FC94B}">
-                <ma14:wrappingTextBoxFlag xmlns="" xmlns:m="http://schemas.openxmlformats.org/officeDocument/2006/math" xmlns:a14="http://schemas.microsoft.com/office/drawing/2010/main" xmlns:ma14="http://schemas.microsoft.com/office/mac/drawingml/2011/main" val="1"/>
+                <ma14:wrappingTextBoxFlag xmlns:ma14="http://schemas.microsoft.com/office/mac/drawingml/2011/main" xmlns:a14="http://schemas.microsoft.com/office/drawing/2010/main" xmlns:m="http://schemas.openxmlformats.org/officeDocument/2006/math" xmlns="" val="1"/>
               </a:ext>
             </a:extLst>
           </p:spPr>
@@ -26902,7 +26974,7 @@
             <a:effectLst/>
             <a:extLst>
               <a:ext uri="{C572A759-6A51-4108-AA02-DFA0A04FC94B}">
-                <ma14:wrappingTextBoxFlag xmlns="" xmlns:m="http://schemas.openxmlformats.org/officeDocument/2006/math" xmlns:a14="http://schemas.microsoft.com/office/drawing/2010/main" xmlns:ma14="http://schemas.microsoft.com/office/mac/drawingml/2011/main" val="1"/>
+                <ma14:wrappingTextBoxFlag xmlns:ma14="http://schemas.microsoft.com/office/mac/drawingml/2011/main" xmlns:a14="http://schemas.microsoft.com/office/drawing/2010/main" xmlns:m="http://schemas.openxmlformats.org/officeDocument/2006/math" xmlns="" val="1"/>
               </a:ext>
             </a:extLst>
           </p:spPr>
@@ -26975,7 +27047,7 @@
             <a:effectLst/>
             <a:extLst>
               <a:ext uri="{C572A759-6A51-4108-AA02-DFA0A04FC94B}">
-                <ma14:wrappingTextBoxFlag xmlns="" xmlns:m="http://schemas.openxmlformats.org/officeDocument/2006/math" xmlns:a14="http://schemas.microsoft.com/office/drawing/2010/main" xmlns:ma14="http://schemas.microsoft.com/office/mac/drawingml/2011/main" val="1"/>
+                <ma14:wrappingTextBoxFlag xmlns:ma14="http://schemas.microsoft.com/office/mac/drawingml/2011/main" xmlns:a14="http://schemas.microsoft.com/office/drawing/2010/main" xmlns:m="http://schemas.openxmlformats.org/officeDocument/2006/math" xmlns="" val="1"/>
               </a:ext>
             </a:extLst>
           </p:spPr>
@@ -27048,7 +27120,7 @@
             <a:effectLst/>
             <a:extLst>
               <a:ext uri="{C572A759-6A51-4108-AA02-DFA0A04FC94B}">
-                <ma14:wrappingTextBoxFlag xmlns="" xmlns:m="http://schemas.openxmlformats.org/officeDocument/2006/math" xmlns:a14="http://schemas.microsoft.com/office/drawing/2010/main" xmlns:ma14="http://schemas.microsoft.com/office/mac/drawingml/2011/main" val="1"/>
+                <ma14:wrappingTextBoxFlag xmlns:ma14="http://schemas.microsoft.com/office/mac/drawingml/2011/main" xmlns:a14="http://schemas.microsoft.com/office/drawing/2010/main" xmlns:m="http://schemas.openxmlformats.org/officeDocument/2006/math" xmlns="" val="1"/>
               </a:ext>
             </a:extLst>
           </p:spPr>
@@ -27121,7 +27193,7 @@
             <a:effectLst/>
             <a:extLst>
               <a:ext uri="{C572A759-6A51-4108-AA02-DFA0A04FC94B}">
-                <ma14:wrappingTextBoxFlag xmlns="" xmlns:m="http://schemas.openxmlformats.org/officeDocument/2006/math" xmlns:a14="http://schemas.microsoft.com/office/drawing/2010/main" xmlns:ma14="http://schemas.microsoft.com/office/mac/drawingml/2011/main" val="1"/>
+                <ma14:wrappingTextBoxFlag xmlns:ma14="http://schemas.microsoft.com/office/mac/drawingml/2011/main" xmlns:a14="http://schemas.microsoft.com/office/drawing/2010/main" xmlns:m="http://schemas.openxmlformats.org/officeDocument/2006/math" xmlns="" val="1"/>
               </a:ext>
             </a:extLst>
           </p:spPr>
@@ -27279,7 +27351,7 @@
           </a:ln>
           <a:extLst>
             <a:ext uri="{C572A759-6A51-4108-AA02-DFA0A04FC94B}">
-              <ma14:wrappingTextBoxFlag xmlns="" xmlns:m="http://schemas.openxmlformats.org/officeDocument/2006/math" xmlns:a14="http://schemas.microsoft.com/office/drawing/2010/main" xmlns:ma14="http://schemas.microsoft.com/office/mac/drawingml/2011/main" val="1"/>
+              <ma14:wrappingTextBoxFlag xmlns:ma14="http://schemas.microsoft.com/office/mac/drawingml/2011/main" xmlns:a14="http://schemas.microsoft.com/office/drawing/2010/main" xmlns:m="http://schemas.openxmlformats.org/officeDocument/2006/math" xmlns="" val="1"/>
             </a:ext>
           </a:extLst>
         </p:spPr>

--- a/03-bundling/07-vite-lib/00-teoría/Creando librerías con Vite.pptx
+++ b/03-bundling/07-vite-lib/00-teoría/Creando librerías con Vite.pptx
@@ -315,7 +315,7 @@
       </p15:sldGuideLst>
     </p:ext>
     <p:ext uri="http://customooxmlschemas.google.com/">
-      <go:slidesCustomData xmlns:go="http://customooxmlschemas.google.com/" xmlns:ahyp="http://schemas.microsoft.com/office/drawing/2018/hyperlinkcolor" xmlns:p15="http://schemas.microsoft.com/office/powerpoint/2012/main" xmlns:p14="http://schemas.microsoft.com/office/powerpoint/2010/main" xmlns:com="http://schemas.openxmlformats.org/drawingml/2006/compatibility" xmlns:pvml="urn:schemas-microsoft-com:office:powerpoint" xmlns:v="urn:schemas-microsoft-com:vml" xmlns:o="urn:schemas-microsoft-com:office:office" xmlns:dgm="http://schemas.openxmlformats.org/drawingml/2006/diagram" xmlns:c="http://schemas.openxmlformats.org/drawingml/2006/chart" xmlns:mv="urn:schemas-microsoft-com:mac:vml" xmlns:mc="http://schemas.openxmlformats.org/markup-compatibility/2006" xmlns="" r:id="rId40" roundtripDataSignature="AMtx7mhrNPmTgZHa7K1yj3rRNKBZC0AtBg=="/>
+      <go:slidesCustomData xmlns="" xmlns:mc="http://schemas.openxmlformats.org/markup-compatibility/2006" xmlns:mv="urn:schemas-microsoft-com:mac:vml" xmlns:c="http://schemas.openxmlformats.org/drawingml/2006/chart" xmlns:dgm="http://schemas.openxmlformats.org/drawingml/2006/diagram" xmlns:o="urn:schemas-microsoft-com:office:office" xmlns:v="urn:schemas-microsoft-com:vml" xmlns:pvml="urn:schemas-microsoft-com:office:powerpoint" xmlns:com="http://schemas.openxmlformats.org/drawingml/2006/compatibility" xmlns:p14="http://schemas.microsoft.com/office/powerpoint/2010/main" xmlns:p15="http://schemas.microsoft.com/office/powerpoint/2012/main" xmlns:ahyp="http://schemas.microsoft.com/office/drawing/2018/hyperlinkcolor" xmlns:go="http://customooxmlschemas.google.com/" r:id="rId40" roundtripDataSignature="AMtx7mhrNPmTgZHa7K1yj3rRNKBZC0AtBg=="/>
     </p:ext>
   </p:extLst>
 </p:presentation>
@@ -16518,7 +16518,7 @@
           </a:ln>
           <a:extLst>
             <a:ext uri="{C572A759-6A51-4108-AA02-DFA0A04FC94B}">
-              <ma14:wrappingTextBoxFlag xmlns="" xmlns:m="http://schemas.openxmlformats.org/officeDocument/2006/math" xmlns:a14="http://schemas.microsoft.com/office/drawing/2010/main" xmlns:ma14="http://schemas.microsoft.com/office/mac/drawingml/2011/main" val="1"/>
+              <ma14:wrappingTextBoxFlag xmlns:ma14="http://schemas.microsoft.com/office/mac/drawingml/2011/main" xmlns:a14="http://schemas.microsoft.com/office/drawing/2010/main" xmlns:m="http://schemas.openxmlformats.org/officeDocument/2006/math" xmlns="" val="1"/>
             </a:ext>
           </a:extLst>
         </p:spPr>
@@ -16570,7 +16570,7 @@
           </a:ln>
           <a:extLst>
             <a:ext uri="{C572A759-6A51-4108-AA02-DFA0A04FC94B}">
-              <ma14:wrappingTextBoxFlag xmlns="" xmlns:m="http://schemas.openxmlformats.org/officeDocument/2006/math" xmlns:a14="http://schemas.microsoft.com/office/drawing/2010/main" xmlns:ma14="http://schemas.microsoft.com/office/mac/drawingml/2011/main" val="1"/>
+              <ma14:wrappingTextBoxFlag xmlns:ma14="http://schemas.microsoft.com/office/mac/drawingml/2011/main" xmlns:a14="http://schemas.microsoft.com/office/drawing/2010/main" xmlns:m="http://schemas.openxmlformats.org/officeDocument/2006/math" xmlns="" val="1"/>
             </a:ext>
           </a:extLst>
         </p:spPr>
@@ -17023,7 +17023,7 @@
           <a:effectLst/>
           <a:extLst>
             <a:ext uri="{C572A759-6A51-4108-AA02-DFA0A04FC94B}">
-              <ma14:wrappingTextBoxFlag xmlns:ma14="http://schemas.microsoft.com/office/mac/drawingml/2011/main" xmlns:a14="http://schemas.microsoft.com/office/drawing/2010/main" xmlns:m="http://schemas.openxmlformats.org/officeDocument/2006/math" xmlns="" val="1"/>
+              <ma14:wrappingTextBoxFlag xmlns="" xmlns:m="http://schemas.openxmlformats.org/officeDocument/2006/math" xmlns:a14="http://schemas.microsoft.com/office/drawing/2010/main" xmlns:ma14="http://schemas.microsoft.com/office/mac/drawingml/2011/main" val="1"/>
             </a:ext>
           </a:extLst>
         </p:spPr>
@@ -17083,7 +17083,7 @@
           <a:effectLst/>
           <a:extLst>
             <a:ext uri="{C572A759-6A51-4108-AA02-DFA0A04FC94B}">
-              <ma14:wrappingTextBoxFlag xmlns:ma14="http://schemas.microsoft.com/office/mac/drawingml/2011/main" xmlns:a14="http://schemas.microsoft.com/office/drawing/2010/main" xmlns:m="http://schemas.openxmlformats.org/officeDocument/2006/math" xmlns="" val="1"/>
+              <ma14:wrappingTextBoxFlag xmlns="" xmlns:m="http://schemas.openxmlformats.org/officeDocument/2006/math" xmlns:a14="http://schemas.microsoft.com/office/drawing/2010/main" xmlns:ma14="http://schemas.microsoft.com/office/mac/drawingml/2011/main" val="1"/>
             </a:ext>
           </a:extLst>
         </p:spPr>
@@ -17151,7 +17151,7 @@
           <a:effectLst/>
           <a:extLst>
             <a:ext uri="{C572A759-6A51-4108-AA02-DFA0A04FC94B}">
-              <ma14:wrappingTextBoxFlag xmlns:ma14="http://schemas.microsoft.com/office/mac/drawingml/2011/main" xmlns:a14="http://schemas.microsoft.com/office/drawing/2010/main" xmlns:m="http://schemas.openxmlformats.org/officeDocument/2006/math" xmlns="" val="1"/>
+              <ma14:wrappingTextBoxFlag xmlns="" xmlns:m="http://schemas.openxmlformats.org/officeDocument/2006/math" xmlns:a14="http://schemas.microsoft.com/office/drawing/2010/main" xmlns:ma14="http://schemas.microsoft.com/office/mac/drawingml/2011/main" val="1"/>
             </a:ext>
           </a:extLst>
         </p:spPr>
@@ -17211,7 +17211,7 @@
           <a:effectLst/>
           <a:extLst>
             <a:ext uri="{C572A759-6A51-4108-AA02-DFA0A04FC94B}">
-              <ma14:wrappingTextBoxFlag xmlns:ma14="http://schemas.microsoft.com/office/mac/drawingml/2011/main" xmlns:a14="http://schemas.microsoft.com/office/drawing/2010/main" xmlns:m="http://schemas.openxmlformats.org/officeDocument/2006/math" xmlns="" val="1"/>
+              <ma14:wrappingTextBoxFlag xmlns="" xmlns:m="http://schemas.openxmlformats.org/officeDocument/2006/math" xmlns:a14="http://schemas.microsoft.com/office/drawing/2010/main" xmlns:ma14="http://schemas.microsoft.com/office/mac/drawingml/2011/main" val="1"/>
             </a:ext>
           </a:extLst>
         </p:spPr>
@@ -17377,7 +17377,7 @@
           </a:ln>
           <a:extLst>
             <a:ext uri="{C572A759-6A51-4108-AA02-DFA0A04FC94B}">
-              <ma14:wrappingTextBoxFlag xmlns:ma14="http://schemas.microsoft.com/office/mac/drawingml/2011/main" xmlns:a14="http://schemas.microsoft.com/office/drawing/2010/main" xmlns:m="http://schemas.openxmlformats.org/officeDocument/2006/math" xmlns="" val="1"/>
+              <ma14:wrappingTextBoxFlag xmlns="" xmlns:m="http://schemas.openxmlformats.org/officeDocument/2006/math" xmlns:a14="http://schemas.microsoft.com/office/drawing/2010/main" xmlns:ma14="http://schemas.microsoft.com/office/mac/drawingml/2011/main" val="1"/>
             </a:ext>
           </a:extLst>
         </p:spPr>
@@ -17648,7 +17648,7 @@
             <a:effectLst/>
             <a:extLst>
               <a:ext uri="{C572A759-6A51-4108-AA02-DFA0A04FC94B}">
-                <ma14:wrappingTextBoxFlag xmlns:ma14="http://schemas.microsoft.com/office/mac/drawingml/2011/main" xmlns:a14="http://schemas.microsoft.com/office/drawing/2010/main" xmlns:m="http://schemas.openxmlformats.org/officeDocument/2006/math" xmlns="" val="1"/>
+                <ma14:wrappingTextBoxFlag xmlns="" xmlns:m="http://schemas.openxmlformats.org/officeDocument/2006/math" xmlns:a14="http://schemas.microsoft.com/office/drawing/2010/main" xmlns:ma14="http://schemas.microsoft.com/office/mac/drawingml/2011/main" val="1"/>
               </a:ext>
             </a:extLst>
           </p:spPr>
@@ -17698,7 +17698,7 @@
             <a:effectLst/>
             <a:extLst>
               <a:ext uri="{C572A759-6A51-4108-AA02-DFA0A04FC94B}">
-                <ma14:wrappingTextBoxFlag xmlns:ma14="http://schemas.microsoft.com/office/mac/drawingml/2011/main" xmlns:a14="http://schemas.microsoft.com/office/drawing/2010/main" xmlns:m="http://schemas.openxmlformats.org/officeDocument/2006/math" xmlns="" val="1"/>
+                <ma14:wrappingTextBoxFlag xmlns="" xmlns:m="http://schemas.openxmlformats.org/officeDocument/2006/math" xmlns:a14="http://schemas.microsoft.com/office/drawing/2010/main" xmlns:ma14="http://schemas.microsoft.com/office/mac/drawingml/2011/main" val="1"/>
               </a:ext>
             </a:extLst>
           </p:spPr>
@@ -17748,7 +17748,7 @@
             <a:effectLst/>
             <a:extLst>
               <a:ext uri="{C572A759-6A51-4108-AA02-DFA0A04FC94B}">
-                <ma14:wrappingTextBoxFlag xmlns:ma14="http://schemas.microsoft.com/office/mac/drawingml/2011/main" xmlns:a14="http://schemas.microsoft.com/office/drawing/2010/main" xmlns:m="http://schemas.openxmlformats.org/officeDocument/2006/math" xmlns="" val="1"/>
+                <ma14:wrappingTextBoxFlag xmlns="" xmlns:m="http://schemas.openxmlformats.org/officeDocument/2006/math" xmlns:a14="http://schemas.microsoft.com/office/drawing/2010/main" xmlns:ma14="http://schemas.microsoft.com/office/mac/drawingml/2011/main" val="1"/>
               </a:ext>
             </a:extLst>
           </p:spPr>
@@ -17798,7 +17798,7 @@
             <a:effectLst/>
             <a:extLst>
               <a:ext uri="{C572A759-6A51-4108-AA02-DFA0A04FC94B}">
-                <ma14:wrappingTextBoxFlag xmlns:ma14="http://schemas.microsoft.com/office/mac/drawingml/2011/main" xmlns:a14="http://schemas.microsoft.com/office/drawing/2010/main" xmlns:m="http://schemas.openxmlformats.org/officeDocument/2006/math" xmlns="" val="1"/>
+                <ma14:wrappingTextBoxFlag xmlns="" xmlns:m="http://schemas.openxmlformats.org/officeDocument/2006/math" xmlns:a14="http://schemas.microsoft.com/office/drawing/2010/main" xmlns:ma14="http://schemas.microsoft.com/office/mac/drawingml/2011/main" val="1"/>
               </a:ext>
             </a:extLst>
           </p:spPr>
@@ -18090,7 +18090,7 @@
           <a:effectLst/>
           <a:extLst>
             <a:ext uri="{C572A759-6A51-4108-AA02-DFA0A04FC94B}">
-              <ma14:wrappingTextBoxFlag xmlns:ma14="http://schemas.microsoft.com/office/mac/drawingml/2011/main" xmlns:a14="http://schemas.microsoft.com/office/drawing/2010/main" xmlns:m="http://schemas.openxmlformats.org/officeDocument/2006/math" xmlns="" val="1"/>
+              <ma14:wrappingTextBoxFlag xmlns="" xmlns:m="http://schemas.openxmlformats.org/officeDocument/2006/math" xmlns:a14="http://schemas.microsoft.com/office/drawing/2010/main" xmlns:ma14="http://schemas.microsoft.com/office/mac/drawingml/2011/main" val="1"/>
             </a:ext>
           </a:extLst>
         </p:spPr>
@@ -18150,7 +18150,7 @@
           <a:effectLst/>
           <a:extLst>
             <a:ext uri="{C572A759-6A51-4108-AA02-DFA0A04FC94B}">
-              <ma14:wrappingTextBoxFlag xmlns:ma14="http://schemas.microsoft.com/office/mac/drawingml/2011/main" xmlns:a14="http://schemas.microsoft.com/office/drawing/2010/main" xmlns:m="http://schemas.openxmlformats.org/officeDocument/2006/math" xmlns="" val="1"/>
+              <ma14:wrappingTextBoxFlag xmlns="" xmlns:m="http://schemas.openxmlformats.org/officeDocument/2006/math" xmlns:a14="http://schemas.microsoft.com/office/drawing/2010/main" xmlns:ma14="http://schemas.microsoft.com/office/mac/drawingml/2011/main" val="1"/>
             </a:ext>
           </a:extLst>
         </p:spPr>
@@ -18210,7 +18210,7 @@
           <a:effectLst/>
           <a:extLst>
             <a:ext uri="{C572A759-6A51-4108-AA02-DFA0A04FC94B}">
-              <ma14:wrappingTextBoxFlag xmlns:ma14="http://schemas.microsoft.com/office/mac/drawingml/2011/main" xmlns:a14="http://schemas.microsoft.com/office/drawing/2010/main" xmlns:m="http://schemas.openxmlformats.org/officeDocument/2006/math" xmlns="" val="1"/>
+              <ma14:wrappingTextBoxFlag xmlns="" xmlns:m="http://schemas.openxmlformats.org/officeDocument/2006/math" xmlns:a14="http://schemas.microsoft.com/office/drawing/2010/main" xmlns:ma14="http://schemas.microsoft.com/office/mac/drawingml/2011/main" val="1"/>
             </a:ext>
           </a:extLst>
         </p:spPr>
@@ -19325,7 +19325,7 @@
           </a:ln>
           <a:extLst>
             <a:ext uri="{C572A759-6A51-4108-AA02-DFA0A04FC94B}">
-              <ma14:wrappingTextBoxFlag xmlns:ma14="http://schemas.microsoft.com/office/mac/drawingml/2011/main" xmlns:a14="http://schemas.microsoft.com/office/drawing/2010/main" xmlns:m="http://schemas.openxmlformats.org/officeDocument/2006/math" xmlns="" val="1"/>
+              <ma14:wrappingTextBoxFlag xmlns="" xmlns:m="http://schemas.openxmlformats.org/officeDocument/2006/math" xmlns:a14="http://schemas.microsoft.com/office/drawing/2010/main" xmlns:ma14="http://schemas.microsoft.com/office/mac/drawingml/2011/main" val="1"/>
             </a:ext>
           </a:extLst>
         </p:spPr>
@@ -19387,7 +19387,7 @@
           </a:ln>
           <a:extLst>
             <a:ext uri="{C572A759-6A51-4108-AA02-DFA0A04FC94B}">
-              <ma14:wrappingTextBoxFlag xmlns:ma14="http://schemas.microsoft.com/office/mac/drawingml/2011/main" xmlns:a14="http://schemas.microsoft.com/office/drawing/2010/main" xmlns:m="http://schemas.openxmlformats.org/officeDocument/2006/math" xmlns="" val="1"/>
+              <ma14:wrappingTextBoxFlag xmlns="" xmlns:m="http://schemas.openxmlformats.org/officeDocument/2006/math" xmlns:a14="http://schemas.microsoft.com/office/drawing/2010/main" xmlns:ma14="http://schemas.microsoft.com/office/mac/drawingml/2011/main" val="1"/>
             </a:ext>
           </a:extLst>
         </p:spPr>
@@ -21199,7 +21199,7 @@
           </a:ln>
           <a:extLst>
             <a:ext uri="{C572A759-6A51-4108-AA02-DFA0A04FC94B}">
-              <ma14:wrappingTextBoxFlag xmlns:ma14="http://schemas.microsoft.com/office/mac/drawingml/2011/main" xmlns:a14="http://schemas.microsoft.com/office/drawing/2010/main" xmlns:m="http://schemas.openxmlformats.org/officeDocument/2006/math" xmlns="" val="1"/>
+              <ma14:wrappingTextBoxFlag xmlns="" xmlns:m="http://schemas.openxmlformats.org/officeDocument/2006/math" xmlns:a14="http://schemas.microsoft.com/office/drawing/2010/main" xmlns:ma14="http://schemas.microsoft.com/office/mac/drawingml/2011/main" val="1"/>
             </a:ext>
           </a:extLst>
         </p:spPr>
@@ -21265,7 +21265,7 @@
           </a:ln>
           <a:extLst>
             <a:ext uri="{C572A759-6A51-4108-AA02-DFA0A04FC94B}">
-              <ma14:wrappingTextBoxFlag xmlns:ma14="http://schemas.microsoft.com/office/mac/drawingml/2011/main" xmlns:a14="http://schemas.microsoft.com/office/drawing/2010/main" xmlns:m="http://schemas.openxmlformats.org/officeDocument/2006/math" xmlns="" val="1"/>
+              <ma14:wrappingTextBoxFlag xmlns="" xmlns:m="http://schemas.openxmlformats.org/officeDocument/2006/math" xmlns:a14="http://schemas.microsoft.com/office/drawing/2010/main" xmlns:ma14="http://schemas.microsoft.com/office/mac/drawingml/2011/main" val="1"/>
             </a:ext>
           </a:extLst>
         </p:spPr>
@@ -22477,7 +22477,7 @@
           </a:ln>
           <a:extLst>
             <a:ext uri="{C572A759-6A51-4108-AA02-DFA0A04FC94B}">
-              <ma14:wrappingTextBoxFlag xmlns:ma14="http://schemas.microsoft.com/office/mac/drawingml/2011/main" xmlns:a14="http://schemas.microsoft.com/office/drawing/2010/main" xmlns:m="http://schemas.openxmlformats.org/officeDocument/2006/math" xmlns="" val="1"/>
+              <ma14:wrappingTextBoxFlag xmlns="" xmlns:m="http://schemas.openxmlformats.org/officeDocument/2006/math" xmlns:a14="http://schemas.microsoft.com/office/drawing/2010/main" xmlns:ma14="http://schemas.microsoft.com/office/mac/drawingml/2011/main" val="1"/>
             </a:ext>
           </a:extLst>
         </p:spPr>
@@ -22544,7 +22544,7 @@
           <a:effectLst/>
           <a:extLst>
             <a:ext uri="{C572A759-6A51-4108-AA02-DFA0A04FC94B}">
-              <ma14:wrappingTextBoxFlag xmlns:ma14="http://schemas.microsoft.com/office/mac/drawingml/2011/main" xmlns:a14="http://schemas.microsoft.com/office/drawing/2010/main" xmlns:m="http://schemas.openxmlformats.org/officeDocument/2006/math" xmlns="" val="1"/>
+              <ma14:wrappingTextBoxFlag xmlns="" xmlns:m="http://schemas.openxmlformats.org/officeDocument/2006/math" xmlns:a14="http://schemas.microsoft.com/office/drawing/2010/main" xmlns:ma14="http://schemas.microsoft.com/office/mac/drawingml/2011/main" val="1"/>
             </a:ext>
           </a:extLst>
         </p:spPr>
@@ -22608,7 +22608,7 @@
           <a:effectLst/>
           <a:extLst>
             <a:ext uri="{C572A759-6A51-4108-AA02-DFA0A04FC94B}">
-              <ma14:wrappingTextBoxFlag xmlns:ma14="http://schemas.microsoft.com/office/mac/drawingml/2011/main" xmlns:a14="http://schemas.microsoft.com/office/drawing/2010/main" xmlns:m="http://schemas.openxmlformats.org/officeDocument/2006/math" xmlns="" val="1"/>
+              <ma14:wrappingTextBoxFlag xmlns="" xmlns:m="http://schemas.openxmlformats.org/officeDocument/2006/math" xmlns:a14="http://schemas.microsoft.com/office/drawing/2010/main" xmlns:ma14="http://schemas.microsoft.com/office/mac/drawingml/2011/main" val="1"/>
             </a:ext>
           </a:extLst>
         </p:spPr>
@@ -22668,7 +22668,7 @@
           <a:effectLst/>
           <a:extLst>
             <a:ext uri="{C572A759-6A51-4108-AA02-DFA0A04FC94B}">
-              <ma14:wrappingTextBoxFlag xmlns:ma14="http://schemas.microsoft.com/office/mac/drawingml/2011/main" xmlns:a14="http://schemas.microsoft.com/office/drawing/2010/main" xmlns:m="http://schemas.openxmlformats.org/officeDocument/2006/math" xmlns="" val="1"/>
+              <ma14:wrappingTextBoxFlag xmlns="" xmlns:m="http://schemas.openxmlformats.org/officeDocument/2006/math" xmlns:a14="http://schemas.microsoft.com/office/drawing/2010/main" xmlns:ma14="http://schemas.microsoft.com/office/mac/drawingml/2011/main" val="1"/>
             </a:ext>
           </a:extLst>
         </p:spPr>
@@ -24374,7 +24374,7 @@
           <a:effectLst/>
           <a:extLst>
             <a:ext uri="{C572A759-6A51-4108-AA02-DFA0A04FC94B}">
-              <ma14:wrappingTextBoxFlag xmlns:ma14="http://schemas.microsoft.com/office/mac/drawingml/2011/main" xmlns:a14="http://schemas.microsoft.com/office/drawing/2010/main" xmlns:m="http://schemas.openxmlformats.org/officeDocument/2006/math" xmlns="" val="1"/>
+              <ma14:wrappingTextBoxFlag xmlns="" xmlns:m="http://schemas.openxmlformats.org/officeDocument/2006/math" xmlns:a14="http://schemas.microsoft.com/office/drawing/2010/main" xmlns:ma14="http://schemas.microsoft.com/office/mac/drawingml/2011/main" val="1"/>
             </a:ext>
           </a:extLst>
         </p:spPr>
@@ -24434,7 +24434,7 @@
           <a:effectLst/>
           <a:extLst>
             <a:ext uri="{C572A759-6A51-4108-AA02-DFA0A04FC94B}">
-              <ma14:wrappingTextBoxFlag xmlns:ma14="http://schemas.microsoft.com/office/mac/drawingml/2011/main" xmlns:a14="http://schemas.microsoft.com/office/drawing/2010/main" xmlns:m="http://schemas.openxmlformats.org/officeDocument/2006/math" xmlns="" val="1"/>
+              <ma14:wrappingTextBoxFlag xmlns="" xmlns:m="http://schemas.openxmlformats.org/officeDocument/2006/math" xmlns:a14="http://schemas.microsoft.com/office/drawing/2010/main" xmlns:ma14="http://schemas.microsoft.com/office/mac/drawingml/2011/main" val="1"/>
             </a:ext>
           </a:extLst>
         </p:spPr>
@@ -24494,7 +24494,7 @@
           <a:effectLst/>
           <a:extLst>
             <a:ext uri="{C572A759-6A51-4108-AA02-DFA0A04FC94B}">
-              <ma14:wrappingTextBoxFlag xmlns:ma14="http://schemas.microsoft.com/office/mac/drawingml/2011/main" xmlns:a14="http://schemas.microsoft.com/office/drawing/2010/main" xmlns:m="http://schemas.openxmlformats.org/officeDocument/2006/math" xmlns="" val="1"/>
+              <ma14:wrappingTextBoxFlag xmlns="" xmlns:m="http://schemas.openxmlformats.org/officeDocument/2006/math" xmlns:a14="http://schemas.microsoft.com/office/drawing/2010/main" xmlns:ma14="http://schemas.microsoft.com/office/mac/drawingml/2011/main" val="1"/>
             </a:ext>
           </a:extLst>
         </p:spPr>
@@ -24554,7 +24554,7 @@
           <a:effectLst/>
           <a:extLst>
             <a:ext uri="{C572A759-6A51-4108-AA02-DFA0A04FC94B}">
-              <ma14:wrappingTextBoxFlag xmlns:ma14="http://schemas.microsoft.com/office/mac/drawingml/2011/main" xmlns:a14="http://schemas.microsoft.com/office/drawing/2010/main" xmlns:m="http://schemas.openxmlformats.org/officeDocument/2006/math" xmlns="" val="1"/>
+              <ma14:wrappingTextBoxFlag xmlns="" xmlns:m="http://schemas.openxmlformats.org/officeDocument/2006/math" xmlns:a14="http://schemas.microsoft.com/office/drawing/2010/main" xmlns:ma14="http://schemas.microsoft.com/office/mac/drawingml/2011/main" val="1"/>
             </a:ext>
           </a:extLst>
         </p:spPr>
@@ -24614,7 +24614,7 @@
           <a:effectLst/>
           <a:extLst>
             <a:ext uri="{C572A759-6A51-4108-AA02-DFA0A04FC94B}">
-              <ma14:wrappingTextBoxFlag xmlns:ma14="http://schemas.microsoft.com/office/mac/drawingml/2011/main" xmlns:a14="http://schemas.microsoft.com/office/drawing/2010/main" xmlns:m="http://schemas.openxmlformats.org/officeDocument/2006/math" xmlns="" val="1"/>
+              <ma14:wrappingTextBoxFlag xmlns="" xmlns:m="http://schemas.openxmlformats.org/officeDocument/2006/math" xmlns:a14="http://schemas.microsoft.com/office/drawing/2010/main" xmlns:ma14="http://schemas.microsoft.com/office/mac/drawingml/2011/main" val="1"/>
             </a:ext>
           </a:extLst>
         </p:spPr>
@@ -24674,7 +24674,7 @@
           <a:effectLst/>
           <a:extLst>
             <a:ext uri="{C572A759-6A51-4108-AA02-DFA0A04FC94B}">
-              <ma14:wrappingTextBoxFlag xmlns:ma14="http://schemas.microsoft.com/office/mac/drawingml/2011/main" xmlns:a14="http://schemas.microsoft.com/office/drawing/2010/main" xmlns:m="http://schemas.openxmlformats.org/officeDocument/2006/math" xmlns="" val="1"/>
+              <ma14:wrappingTextBoxFlag xmlns="" xmlns:m="http://schemas.openxmlformats.org/officeDocument/2006/math" xmlns:a14="http://schemas.microsoft.com/office/drawing/2010/main" xmlns:ma14="http://schemas.microsoft.com/office/mac/drawingml/2011/main" val="1"/>
             </a:ext>
           </a:extLst>
         </p:spPr>
@@ -24734,7 +24734,7 @@
           <a:effectLst/>
           <a:extLst>
             <a:ext uri="{C572A759-6A51-4108-AA02-DFA0A04FC94B}">
-              <ma14:wrappingTextBoxFlag xmlns:ma14="http://schemas.microsoft.com/office/mac/drawingml/2011/main" xmlns:a14="http://schemas.microsoft.com/office/drawing/2010/main" xmlns:m="http://schemas.openxmlformats.org/officeDocument/2006/math" xmlns="" val="1"/>
+              <ma14:wrappingTextBoxFlag xmlns="" xmlns:m="http://schemas.openxmlformats.org/officeDocument/2006/math" xmlns:a14="http://schemas.microsoft.com/office/drawing/2010/main" xmlns:ma14="http://schemas.microsoft.com/office/mac/drawingml/2011/main" val="1"/>
             </a:ext>
           </a:extLst>
         </p:spPr>
@@ -24794,7 +24794,7 @@
           <a:effectLst/>
           <a:extLst>
             <a:ext uri="{C572A759-6A51-4108-AA02-DFA0A04FC94B}">
-              <ma14:wrappingTextBoxFlag xmlns:ma14="http://schemas.microsoft.com/office/mac/drawingml/2011/main" xmlns:a14="http://schemas.microsoft.com/office/drawing/2010/main" xmlns:m="http://schemas.openxmlformats.org/officeDocument/2006/math" xmlns="" val="1"/>
+              <ma14:wrappingTextBoxFlag xmlns="" xmlns:m="http://schemas.openxmlformats.org/officeDocument/2006/math" xmlns:a14="http://schemas.microsoft.com/office/drawing/2010/main" xmlns:ma14="http://schemas.microsoft.com/office/mac/drawingml/2011/main" val="1"/>
             </a:ext>
           </a:extLst>
         </p:spPr>
@@ -24854,7 +24854,7 @@
           <a:effectLst/>
           <a:extLst>
             <a:ext uri="{C572A759-6A51-4108-AA02-DFA0A04FC94B}">
-              <ma14:wrappingTextBoxFlag xmlns:ma14="http://schemas.microsoft.com/office/mac/drawingml/2011/main" xmlns:a14="http://schemas.microsoft.com/office/drawing/2010/main" xmlns:m="http://schemas.openxmlformats.org/officeDocument/2006/math" xmlns="" val="1"/>
+              <ma14:wrappingTextBoxFlag xmlns="" xmlns:m="http://schemas.openxmlformats.org/officeDocument/2006/math" xmlns:a14="http://schemas.microsoft.com/office/drawing/2010/main" xmlns:ma14="http://schemas.microsoft.com/office/mac/drawingml/2011/main" val="1"/>
             </a:ext>
           </a:extLst>
         </p:spPr>
@@ -24909,7 +24909,7 @@
           </a:ln>
           <a:extLst>
             <a:ext uri="{C572A759-6A51-4108-AA02-DFA0A04FC94B}">
-              <ma14:wrappingTextBoxFlag xmlns:ma14="http://schemas.microsoft.com/office/mac/drawingml/2011/main" xmlns:a14="http://schemas.microsoft.com/office/drawing/2010/main" xmlns:m="http://schemas.openxmlformats.org/officeDocument/2006/math" xmlns="" val="1"/>
+              <ma14:wrappingTextBoxFlag xmlns="" xmlns:m="http://schemas.openxmlformats.org/officeDocument/2006/math" xmlns:a14="http://schemas.microsoft.com/office/drawing/2010/main" xmlns:ma14="http://schemas.microsoft.com/office/mac/drawingml/2011/main" val="1"/>
             </a:ext>
           </a:extLst>
         </p:spPr>
@@ -24976,7 +24976,7 @@
           <a:effectLst/>
           <a:extLst>
             <a:ext uri="{C572A759-6A51-4108-AA02-DFA0A04FC94B}">
-              <ma14:wrappingTextBoxFlag xmlns:ma14="http://schemas.microsoft.com/office/mac/drawingml/2011/main" xmlns:a14="http://schemas.microsoft.com/office/drawing/2010/main" xmlns:m="http://schemas.openxmlformats.org/officeDocument/2006/math" xmlns="" val="1"/>
+              <ma14:wrappingTextBoxFlag xmlns="" xmlns:m="http://schemas.openxmlformats.org/officeDocument/2006/math" xmlns:a14="http://schemas.microsoft.com/office/drawing/2010/main" xmlns:ma14="http://schemas.microsoft.com/office/mac/drawingml/2011/main" val="1"/>
             </a:ext>
           </a:extLst>
         </p:spPr>
@@ -26599,7 +26599,7 @@
           </a:ln>
           <a:extLst>
             <a:ext uri="{C572A759-6A51-4108-AA02-DFA0A04FC94B}">
-              <ma14:wrappingTextBoxFlag xmlns:ma14="http://schemas.microsoft.com/office/mac/drawingml/2011/main" xmlns:a14="http://schemas.microsoft.com/office/drawing/2010/main" xmlns:m="http://schemas.openxmlformats.org/officeDocument/2006/math" xmlns="" val="1"/>
+              <ma14:wrappingTextBoxFlag xmlns="" xmlns:m="http://schemas.openxmlformats.org/officeDocument/2006/math" xmlns:a14="http://schemas.microsoft.com/office/drawing/2010/main" xmlns:ma14="http://schemas.microsoft.com/office/mac/drawingml/2011/main" val="1"/>
             </a:ext>
           </a:extLst>
         </p:spPr>
@@ -26661,7 +26661,7 @@
           </a:ln>
           <a:extLst>
             <a:ext uri="{C572A759-6A51-4108-AA02-DFA0A04FC94B}">
-              <ma14:wrappingTextBoxFlag xmlns:ma14="http://schemas.microsoft.com/office/mac/drawingml/2011/main" xmlns:a14="http://schemas.microsoft.com/office/drawing/2010/main" xmlns:m="http://schemas.openxmlformats.org/officeDocument/2006/math" xmlns="" val="1"/>
+              <ma14:wrappingTextBoxFlag xmlns="" xmlns:m="http://schemas.openxmlformats.org/officeDocument/2006/math" xmlns:a14="http://schemas.microsoft.com/office/drawing/2010/main" xmlns:ma14="http://schemas.microsoft.com/office/mac/drawingml/2011/main" val="1"/>
             </a:ext>
           </a:extLst>
         </p:spPr>
@@ -26828,7 +26828,7 @@
             <a:effectLst/>
             <a:extLst>
               <a:ext uri="{C572A759-6A51-4108-AA02-DFA0A04FC94B}">
-                <ma14:wrappingTextBoxFlag xmlns:ma14="http://schemas.microsoft.com/office/mac/drawingml/2011/main" xmlns:a14="http://schemas.microsoft.com/office/drawing/2010/main" xmlns:m="http://schemas.openxmlformats.org/officeDocument/2006/math" xmlns="" val="1"/>
+                <ma14:wrappingTextBoxFlag xmlns="" xmlns:m="http://schemas.openxmlformats.org/officeDocument/2006/math" xmlns:a14="http://schemas.microsoft.com/office/drawing/2010/main" xmlns:ma14="http://schemas.microsoft.com/office/mac/drawingml/2011/main" val="1"/>
               </a:ext>
             </a:extLst>
           </p:spPr>
@@ -26901,7 +26901,7 @@
             <a:effectLst/>
             <a:extLst>
               <a:ext uri="{C572A759-6A51-4108-AA02-DFA0A04FC94B}">
-                <ma14:wrappingTextBoxFlag xmlns:ma14="http://schemas.microsoft.com/office/mac/drawingml/2011/main" xmlns:a14="http://schemas.microsoft.com/office/drawing/2010/main" xmlns:m="http://schemas.openxmlformats.org/officeDocument/2006/math" xmlns="" val="1"/>
+                <ma14:wrappingTextBoxFlag xmlns="" xmlns:m="http://schemas.openxmlformats.org/officeDocument/2006/math" xmlns:a14="http://schemas.microsoft.com/office/drawing/2010/main" xmlns:ma14="http://schemas.microsoft.com/office/mac/drawingml/2011/main" val="1"/>
               </a:ext>
             </a:extLst>
           </p:spPr>
@@ -26974,7 +26974,7 @@
             <a:effectLst/>
             <a:extLst>
               <a:ext uri="{C572A759-6A51-4108-AA02-DFA0A04FC94B}">
-                <ma14:wrappingTextBoxFlag xmlns:ma14="http://schemas.microsoft.com/office/mac/drawingml/2011/main" xmlns:a14="http://schemas.microsoft.com/office/drawing/2010/main" xmlns:m="http://schemas.openxmlformats.org/officeDocument/2006/math" xmlns="" val="1"/>
+                <ma14:wrappingTextBoxFlag xmlns="" xmlns:m="http://schemas.openxmlformats.org/officeDocument/2006/math" xmlns:a14="http://schemas.microsoft.com/office/drawing/2010/main" xmlns:ma14="http://schemas.microsoft.com/office/mac/drawingml/2011/main" val="1"/>
               </a:ext>
             </a:extLst>
           </p:spPr>
@@ -27047,7 +27047,7 @@
             <a:effectLst/>
             <a:extLst>
               <a:ext uri="{C572A759-6A51-4108-AA02-DFA0A04FC94B}">
-                <ma14:wrappingTextBoxFlag xmlns:ma14="http://schemas.microsoft.com/office/mac/drawingml/2011/main" xmlns:a14="http://schemas.microsoft.com/office/drawing/2010/main" xmlns:m="http://schemas.openxmlformats.org/officeDocument/2006/math" xmlns="" val="1"/>
+                <ma14:wrappingTextBoxFlag xmlns="" xmlns:m="http://schemas.openxmlformats.org/officeDocument/2006/math" xmlns:a14="http://schemas.microsoft.com/office/drawing/2010/main" xmlns:ma14="http://schemas.microsoft.com/office/mac/drawingml/2011/main" val="1"/>
               </a:ext>
             </a:extLst>
           </p:spPr>
@@ -27120,7 +27120,7 @@
             <a:effectLst/>
             <a:extLst>
               <a:ext uri="{C572A759-6A51-4108-AA02-DFA0A04FC94B}">
-                <ma14:wrappingTextBoxFlag xmlns:ma14="http://schemas.microsoft.com/office/mac/drawingml/2011/main" xmlns:a14="http://schemas.microsoft.com/office/drawing/2010/main" xmlns:m="http://schemas.openxmlformats.org/officeDocument/2006/math" xmlns="" val="1"/>
+                <ma14:wrappingTextBoxFlag xmlns="" xmlns:m="http://schemas.openxmlformats.org/officeDocument/2006/math" xmlns:a14="http://schemas.microsoft.com/office/drawing/2010/main" xmlns:ma14="http://schemas.microsoft.com/office/mac/drawingml/2011/main" val="1"/>
               </a:ext>
             </a:extLst>
           </p:spPr>
@@ -27193,7 +27193,7 @@
             <a:effectLst/>
             <a:extLst>
               <a:ext uri="{C572A759-6A51-4108-AA02-DFA0A04FC94B}">
-                <ma14:wrappingTextBoxFlag xmlns:ma14="http://schemas.microsoft.com/office/mac/drawingml/2011/main" xmlns:a14="http://schemas.microsoft.com/office/drawing/2010/main" xmlns:m="http://schemas.openxmlformats.org/officeDocument/2006/math" xmlns="" val="1"/>
+                <ma14:wrappingTextBoxFlag xmlns="" xmlns:m="http://schemas.openxmlformats.org/officeDocument/2006/math" xmlns:a14="http://schemas.microsoft.com/office/drawing/2010/main" xmlns:ma14="http://schemas.microsoft.com/office/mac/drawingml/2011/main" val="1"/>
               </a:ext>
             </a:extLst>
           </p:spPr>
@@ -27351,7 +27351,7 @@
           </a:ln>
           <a:extLst>
             <a:ext uri="{C572A759-6A51-4108-AA02-DFA0A04FC94B}">
-              <ma14:wrappingTextBoxFlag xmlns:ma14="http://schemas.microsoft.com/office/mac/drawingml/2011/main" xmlns:a14="http://schemas.microsoft.com/office/drawing/2010/main" xmlns:m="http://schemas.openxmlformats.org/officeDocument/2006/math" xmlns="" val="1"/>
+              <ma14:wrappingTextBoxFlag xmlns="" xmlns:m="http://schemas.openxmlformats.org/officeDocument/2006/math" xmlns:a14="http://schemas.microsoft.com/office/drawing/2010/main" xmlns:ma14="http://schemas.microsoft.com/office/mac/drawingml/2011/main" val="1"/>
             </a:ext>
           </a:extLst>
         </p:spPr>

--- a/03-bundling/07-vite-lib/00-teoría/Creando librerías con Vite.pptx
+++ b/03-bundling/07-vite-lib/00-teoría/Creando librerías con Vite.pptx
@@ -315,7 +315,7 @@
       </p15:sldGuideLst>
     </p:ext>
     <p:ext uri="http://customooxmlschemas.google.com/">
-      <go:slidesCustomData xmlns="" xmlns:mc="http://schemas.openxmlformats.org/markup-compatibility/2006" xmlns:mv="urn:schemas-microsoft-com:mac:vml" xmlns:c="http://schemas.openxmlformats.org/drawingml/2006/chart" xmlns:dgm="http://schemas.openxmlformats.org/drawingml/2006/diagram" xmlns:o="urn:schemas-microsoft-com:office:office" xmlns:v="urn:schemas-microsoft-com:vml" xmlns:pvml="urn:schemas-microsoft-com:office:powerpoint" xmlns:com="http://schemas.openxmlformats.org/drawingml/2006/compatibility" xmlns:p14="http://schemas.microsoft.com/office/powerpoint/2010/main" xmlns:p15="http://schemas.microsoft.com/office/powerpoint/2012/main" xmlns:ahyp="http://schemas.microsoft.com/office/drawing/2018/hyperlinkcolor" xmlns:go="http://customooxmlschemas.google.com/" r:id="rId40" roundtripDataSignature="AMtx7mhrNPmTgZHa7K1yj3rRNKBZC0AtBg=="/>
+      <go:slidesCustomData xmlns:go="http://customooxmlschemas.google.com/" xmlns:ahyp="http://schemas.microsoft.com/office/drawing/2018/hyperlinkcolor" xmlns:p15="http://schemas.microsoft.com/office/powerpoint/2012/main" xmlns:p14="http://schemas.microsoft.com/office/powerpoint/2010/main" xmlns:com="http://schemas.openxmlformats.org/drawingml/2006/compatibility" xmlns:pvml="urn:schemas-microsoft-com:office:powerpoint" xmlns:v="urn:schemas-microsoft-com:vml" xmlns:o="urn:schemas-microsoft-com:office:office" xmlns:dgm="http://schemas.openxmlformats.org/drawingml/2006/diagram" xmlns:c="http://schemas.openxmlformats.org/drawingml/2006/chart" xmlns:mv="urn:schemas-microsoft-com:mac:vml" xmlns:mc="http://schemas.openxmlformats.org/markup-compatibility/2006" xmlns="" r:id="rId40" roundtripDataSignature="AMtx7mhrNPmTgZHa7K1yj3rRNKBZC0AtBg=="/>
     </p:ext>
   </p:extLst>
 </p:presentation>
@@ -2091,31 +2091,7 @@
             </a:r>
             <a:r>
               <a:rPr lang="es-ES" dirty="0"/>
-              <a:t> (</a:t>
-            </a:r>
-            <a:r>
-              <a:rPr lang="es-ES" dirty="0" err="1"/>
-              <a:t>Node</a:t>
-            </a:r>
-            <a:r>
-              <a:rPr lang="es-ES" dirty="0"/>
-              <a:t> </a:t>
-            </a:r>
-            <a:r>
-              <a:rPr lang="es-ES" dirty="0" err="1"/>
-              <a:t>Package</a:t>
-            </a:r>
-            <a:r>
-              <a:rPr lang="es-ES" dirty="0"/>
-              <a:t> Manager</a:t>
-            </a:r>
-            <a:r>
-              <a:rPr lang="es-ES" u="sng" dirty="0"/>
-              <a:t>)</a:t>
-            </a:r>
-            <a:r>
-              <a:rPr lang="es-ES" dirty="0"/>
-              <a:t> puesto que se trata del gestor de paquetes oficial que incluye Node.js. Ha sido, y sigue siendo, muy popular, pero durante un tiempo, sobre todo en sus versiones más primitivas, adoleció de ciertas limitaciones en funcionalidad y algunas quejas sobre el rendimiento, incluso problemas serios en la gestión de dependencias como la duplicidad de paquetes. Esto provocó bastante descontento e hizo que la competencia proliferara. Si bien hoy todos estos problemas están resueltos, surgieron alternativas interesantes a </a:t>
+              <a:t>, al tratarse del gestor de paquetes oficial de Node.js. Ha sido, y sigue siendo, muy popular, pero durante un tiempo, sobre todo en sus versiones más primitivas, adoleció de ciertas limitaciones en funcionalidad y algunas quejas sobre el rendimiento, incluso problemas serios en la gestión de dependencias como la duplicidad de paquetes. Esto provocó bastante descontento e hizo que la competencia proliferara. Si bien hoy todos estos problemas están resueltos, surgieron alternativas interesantes a </a:t>
             </a:r>
             <a:r>
               <a:rPr lang="es-ES" dirty="0" err="1"/>
@@ -2159,7 +2135,7 @@
             </a:r>
             <a:r>
               <a:rPr lang="es-ES" dirty="0"/>
-              <a:t> aporta algunas novedades como la instalación en paralelo de los paquetes, una estrategia de cacheo de librerías más agresiva, manejo más rápido de ficheros grandes, etc. Fue además pionero al incorporar el </a:t>
+              <a:t> aporta algunas novedades como la instalación en paralelo de los paquetes, una estrategia de cacheo de librerías más agresiva, manejo más rápido de ficheros grandes, etc. Fue además pionero al popularizar el </a:t>
             </a:r>
             <a:r>
               <a:rPr lang="es-ES" dirty="0" err="1"/>
@@ -2167,7 +2143,7 @@
             </a:r>
             <a:r>
               <a:rPr lang="es-ES" dirty="0"/>
-              <a:t>, una descripción más detallada del árbol de dependencias para poder reproducirlo con exactitud. También introdujo </a:t>
+              <a:t> (idea traída de otros gestores), una descripción más detallada del árbol de dependencias para poder reproducirlo con exactitud. También introdujo </a:t>
             </a:r>
             <a:r>
               <a:rPr lang="es-ES" dirty="0" err="1"/>
@@ -2175,7 +2151,23 @@
             </a:r>
             <a:r>
               <a:rPr lang="es-ES" dirty="0"/>
-              <a:t> o la instalación offline (a través de lo que tengas cacheado). La competencia siempre es beneficiosa e hizo ponerse las pilas a NPM. Hoy día se pueden decir que están a la par.</a:t>
+              <a:t> o la instalación offline (a través de lo que tengas cacheado). La competencia siempre es beneficiosa e hizo ponerse las pilas a NPM. Hoy día se pueden decir que la versión clásica de </a:t>
+            </a:r>
+            <a:r>
+              <a:rPr lang="es-ES" dirty="0" err="1"/>
+              <a:t>yarn</a:t>
+            </a:r>
+            <a:r>
+              <a:rPr lang="es-ES" dirty="0"/>
+              <a:t> (v1) están a la par que </a:t>
+            </a:r>
+            <a:r>
+              <a:rPr lang="es-ES" dirty="0" err="1"/>
+              <a:t>npm</a:t>
+            </a:r>
+            <a:r>
+              <a:rPr lang="es-ES" dirty="0"/>
+              <a:t>. No así sus versiones ‘modernas’ (Berry) que son radicalmente diferentes.</a:t>
             </a:r>
           </a:p>
           <a:p>
@@ -2276,7 +2268,31 @@
             </a:r>
             <a:r>
               <a:rPr lang="es-ES" dirty="0"/>
-              <a:t>.</a:t>
+              <a:t>. Además, a diferencia de </a:t>
+            </a:r>
+            <a:r>
+              <a:rPr lang="es-ES" dirty="0" err="1"/>
+              <a:t>npm</a:t>
+            </a:r>
+            <a:r>
+              <a:rPr lang="es-ES" dirty="0"/>
+              <a:t> o </a:t>
+            </a:r>
+            <a:r>
+              <a:rPr lang="es-ES" dirty="0" err="1"/>
+              <a:t>yarn</a:t>
+            </a:r>
+            <a:r>
+              <a:rPr lang="es-ES" dirty="0"/>
+              <a:t>, </a:t>
+            </a:r>
+            <a:r>
+              <a:rPr lang="es-ES" dirty="0" err="1"/>
+              <a:t>pnpm</a:t>
+            </a:r>
+            <a:r>
+              <a:rPr lang="es-ES" dirty="0"/>
+              <a:t> no aplana la estructura de dependencias, obligando a un uso estricto de las mismas (evita dependencias ‘fantasma’, es decir, que puedas usar dependencias que al ser aplanadas están disponibles en primer nivel, pero que no instalaste explícitamente).</a:t>
             </a:r>
           </a:p>
         </p:txBody>
@@ -16518,7 +16534,7 @@
           </a:ln>
           <a:extLst>
             <a:ext uri="{C572A759-6A51-4108-AA02-DFA0A04FC94B}">
-              <ma14:wrappingTextBoxFlag xmlns:ma14="http://schemas.microsoft.com/office/mac/drawingml/2011/main" xmlns:a14="http://schemas.microsoft.com/office/drawing/2010/main" xmlns:m="http://schemas.openxmlformats.org/officeDocument/2006/math" xmlns="" val="1"/>
+              <ma14:wrappingTextBoxFlag xmlns="" xmlns:m="http://schemas.openxmlformats.org/officeDocument/2006/math" xmlns:a14="http://schemas.microsoft.com/office/drawing/2010/main" xmlns:ma14="http://schemas.microsoft.com/office/mac/drawingml/2011/main" val="1"/>
             </a:ext>
           </a:extLst>
         </p:spPr>
@@ -16570,7 +16586,7 @@
           </a:ln>
           <a:extLst>
             <a:ext uri="{C572A759-6A51-4108-AA02-DFA0A04FC94B}">
-              <ma14:wrappingTextBoxFlag xmlns:ma14="http://schemas.microsoft.com/office/mac/drawingml/2011/main" xmlns:a14="http://schemas.microsoft.com/office/drawing/2010/main" xmlns:m="http://schemas.openxmlformats.org/officeDocument/2006/math" xmlns="" val="1"/>
+              <ma14:wrappingTextBoxFlag xmlns="" xmlns:m="http://schemas.openxmlformats.org/officeDocument/2006/math" xmlns:a14="http://schemas.microsoft.com/office/drawing/2010/main" xmlns:ma14="http://schemas.microsoft.com/office/mac/drawingml/2011/main" val="1"/>
             </a:ext>
           </a:extLst>
         </p:spPr>
@@ -17023,7 +17039,7 @@
           <a:effectLst/>
           <a:extLst>
             <a:ext uri="{C572A759-6A51-4108-AA02-DFA0A04FC94B}">
-              <ma14:wrappingTextBoxFlag xmlns="" xmlns:m="http://schemas.openxmlformats.org/officeDocument/2006/math" xmlns:a14="http://schemas.microsoft.com/office/drawing/2010/main" xmlns:ma14="http://schemas.microsoft.com/office/mac/drawingml/2011/main" val="1"/>
+              <ma14:wrappingTextBoxFlag xmlns:ma14="http://schemas.microsoft.com/office/mac/drawingml/2011/main" xmlns:a14="http://schemas.microsoft.com/office/drawing/2010/main" xmlns:m="http://schemas.openxmlformats.org/officeDocument/2006/math" xmlns="" val="1"/>
             </a:ext>
           </a:extLst>
         </p:spPr>
@@ -17083,7 +17099,7 @@
           <a:effectLst/>
           <a:extLst>
             <a:ext uri="{C572A759-6A51-4108-AA02-DFA0A04FC94B}">
-              <ma14:wrappingTextBoxFlag xmlns="" xmlns:m="http://schemas.openxmlformats.org/officeDocument/2006/math" xmlns:a14="http://schemas.microsoft.com/office/drawing/2010/main" xmlns:ma14="http://schemas.microsoft.com/office/mac/drawingml/2011/main" val="1"/>
+              <ma14:wrappingTextBoxFlag xmlns:ma14="http://schemas.microsoft.com/office/mac/drawingml/2011/main" xmlns:a14="http://schemas.microsoft.com/office/drawing/2010/main" xmlns:m="http://schemas.openxmlformats.org/officeDocument/2006/math" xmlns="" val="1"/>
             </a:ext>
           </a:extLst>
         </p:spPr>
@@ -17151,7 +17167,7 @@
           <a:effectLst/>
           <a:extLst>
             <a:ext uri="{C572A759-6A51-4108-AA02-DFA0A04FC94B}">
-              <ma14:wrappingTextBoxFlag xmlns="" xmlns:m="http://schemas.openxmlformats.org/officeDocument/2006/math" xmlns:a14="http://schemas.microsoft.com/office/drawing/2010/main" xmlns:ma14="http://schemas.microsoft.com/office/mac/drawingml/2011/main" val="1"/>
+              <ma14:wrappingTextBoxFlag xmlns:ma14="http://schemas.microsoft.com/office/mac/drawingml/2011/main" xmlns:a14="http://schemas.microsoft.com/office/drawing/2010/main" xmlns:m="http://schemas.openxmlformats.org/officeDocument/2006/math" xmlns="" val="1"/>
             </a:ext>
           </a:extLst>
         </p:spPr>
@@ -17211,7 +17227,7 @@
           <a:effectLst/>
           <a:extLst>
             <a:ext uri="{C572A759-6A51-4108-AA02-DFA0A04FC94B}">
-              <ma14:wrappingTextBoxFlag xmlns="" xmlns:m="http://schemas.openxmlformats.org/officeDocument/2006/math" xmlns:a14="http://schemas.microsoft.com/office/drawing/2010/main" xmlns:ma14="http://schemas.microsoft.com/office/mac/drawingml/2011/main" val="1"/>
+              <ma14:wrappingTextBoxFlag xmlns:ma14="http://schemas.microsoft.com/office/mac/drawingml/2011/main" xmlns:a14="http://schemas.microsoft.com/office/drawing/2010/main" xmlns:m="http://schemas.openxmlformats.org/officeDocument/2006/math" xmlns="" val="1"/>
             </a:ext>
           </a:extLst>
         </p:spPr>
@@ -17377,7 +17393,7 @@
           </a:ln>
           <a:extLst>
             <a:ext uri="{C572A759-6A51-4108-AA02-DFA0A04FC94B}">
-              <ma14:wrappingTextBoxFlag xmlns="" xmlns:m="http://schemas.openxmlformats.org/officeDocument/2006/math" xmlns:a14="http://schemas.microsoft.com/office/drawing/2010/main" xmlns:ma14="http://schemas.microsoft.com/office/mac/drawingml/2011/main" val="1"/>
+              <ma14:wrappingTextBoxFlag xmlns:ma14="http://schemas.microsoft.com/office/mac/drawingml/2011/main" xmlns:a14="http://schemas.microsoft.com/office/drawing/2010/main" xmlns:m="http://schemas.openxmlformats.org/officeDocument/2006/math" xmlns="" val="1"/>
             </a:ext>
           </a:extLst>
         </p:spPr>
@@ -17648,7 +17664,7 @@
             <a:effectLst/>
             <a:extLst>
               <a:ext uri="{C572A759-6A51-4108-AA02-DFA0A04FC94B}">
-                <ma14:wrappingTextBoxFlag xmlns="" xmlns:m="http://schemas.openxmlformats.org/officeDocument/2006/math" xmlns:a14="http://schemas.microsoft.com/office/drawing/2010/main" xmlns:ma14="http://schemas.microsoft.com/office/mac/drawingml/2011/main" val="1"/>
+                <ma14:wrappingTextBoxFlag xmlns:ma14="http://schemas.microsoft.com/office/mac/drawingml/2011/main" xmlns:a14="http://schemas.microsoft.com/office/drawing/2010/main" xmlns:m="http://schemas.openxmlformats.org/officeDocument/2006/math" xmlns="" val="1"/>
               </a:ext>
             </a:extLst>
           </p:spPr>
@@ -17698,7 +17714,7 @@
             <a:effectLst/>
             <a:extLst>
               <a:ext uri="{C572A759-6A51-4108-AA02-DFA0A04FC94B}">
-                <ma14:wrappingTextBoxFlag xmlns="" xmlns:m="http://schemas.openxmlformats.org/officeDocument/2006/math" xmlns:a14="http://schemas.microsoft.com/office/drawing/2010/main" xmlns:ma14="http://schemas.microsoft.com/office/mac/drawingml/2011/main" val="1"/>
+                <ma14:wrappingTextBoxFlag xmlns:ma14="http://schemas.microsoft.com/office/mac/drawingml/2011/main" xmlns:a14="http://schemas.microsoft.com/office/drawing/2010/main" xmlns:m="http://schemas.openxmlformats.org/officeDocument/2006/math" xmlns="" val="1"/>
               </a:ext>
             </a:extLst>
           </p:spPr>
@@ -17748,7 +17764,7 @@
             <a:effectLst/>
             <a:extLst>
               <a:ext uri="{C572A759-6A51-4108-AA02-DFA0A04FC94B}">
-                <ma14:wrappingTextBoxFlag xmlns="" xmlns:m="http://schemas.openxmlformats.org/officeDocument/2006/math" xmlns:a14="http://schemas.microsoft.com/office/drawing/2010/main" xmlns:ma14="http://schemas.microsoft.com/office/mac/drawingml/2011/main" val="1"/>
+                <ma14:wrappingTextBoxFlag xmlns:ma14="http://schemas.microsoft.com/office/mac/drawingml/2011/main" xmlns:a14="http://schemas.microsoft.com/office/drawing/2010/main" xmlns:m="http://schemas.openxmlformats.org/officeDocument/2006/math" xmlns="" val="1"/>
               </a:ext>
             </a:extLst>
           </p:spPr>
@@ -17798,7 +17814,7 @@
             <a:effectLst/>
             <a:extLst>
               <a:ext uri="{C572A759-6A51-4108-AA02-DFA0A04FC94B}">
-                <ma14:wrappingTextBoxFlag xmlns="" xmlns:m="http://schemas.openxmlformats.org/officeDocument/2006/math" xmlns:a14="http://schemas.microsoft.com/office/drawing/2010/main" xmlns:ma14="http://schemas.microsoft.com/office/mac/drawingml/2011/main" val="1"/>
+                <ma14:wrappingTextBoxFlag xmlns:ma14="http://schemas.microsoft.com/office/mac/drawingml/2011/main" xmlns:a14="http://schemas.microsoft.com/office/drawing/2010/main" xmlns:m="http://schemas.openxmlformats.org/officeDocument/2006/math" xmlns="" val="1"/>
               </a:ext>
             </a:extLst>
           </p:spPr>
@@ -18090,7 +18106,7 @@
           <a:effectLst/>
           <a:extLst>
             <a:ext uri="{C572A759-6A51-4108-AA02-DFA0A04FC94B}">
-              <ma14:wrappingTextBoxFlag xmlns="" xmlns:m="http://schemas.openxmlformats.org/officeDocument/2006/math" xmlns:a14="http://schemas.microsoft.com/office/drawing/2010/main" xmlns:ma14="http://schemas.microsoft.com/office/mac/drawingml/2011/main" val="1"/>
+              <ma14:wrappingTextBoxFlag xmlns:ma14="http://schemas.microsoft.com/office/mac/drawingml/2011/main" xmlns:a14="http://schemas.microsoft.com/office/drawing/2010/main" xmlns:m="http://schemas.openxmlformats.org/officeDocument/2006/math" xmlns="" val="1"/>
             </a:ext>
           </a:extLst>
         </p:spPr>
@@ -18150,7 +18166,7 @@
           <a:effectLst/>
           <a:extLst>
             <a:ext uri="{C572A759-6A51-4108-AA02-DFA0A04FC94B}">
-              <ma14:wrappingTextBoxFlag xmlns="" xmlns:m="http://schemas.openxmlformats.org/officeDocument/2006/math" xmlns:a14="http://schemas.microsoft.com/office/drawing/2010/main" xmlns:ma14="http://schemas.microsoft.com/office/mac/drawingml/2011/main" val="1"/>
+              <ma14:wrappingTextBoxFlag xmlns:ma14="http://schemas.microsoft.com/office/mac/drawingml/2011/main" xmlns:a14="http://schemas.microsoft.com/office/drawing/2010/main" xmlns:m="http://schemas.openxmlformats.org/officeDocument/2006/math" xmlns="" val="1"/>
             </a:ext>
           </a:extLst>
         </p:spPr>
@@ -18210,7 +18226,7 @@
           <a:effectLst/>
           <a:extLst>
             <a:ext uri="{C572A759-6A51-4108-AA02-DFA0A04FC94B}">
-              <ma14:wrappingTextBoxFlag xmlns="" xmlns:m="http://schemas.openxmlformats.org/officeDocument/2006/math" xmlns:a14="http://schemas.microsoft.com/office/drawing/2010/main" xmlns:ma14="http://schemas.microsoft.com/office/mac/drawingml/2011/main" val="1"/>
+              <ma14:wrappingTextBoxFlag xmlns:ma14="http://schemas.microsoft.com/office/mac/drawingml/2011/main" xmlns:a14="http://schemas.microsoft.com/office/drawing/2010/main" xmlns:m="http://schemas.openxmlformats.org/officeDocument/2006/math" xmlns="" val="1"/>
             </a:ext>
           </a:extLst>
         </p:spPr>
@@ -19325,7 +19341,7 @@
           </a:ln>
           <a:extLst>
             <a:ext uri="{C572A759-6A51-4108-AA02-DFA0A04FC94B}">
-              <ma14:wrappingTextBoxFlag xmlns="" xmlns:m="http://schemas.openxmlformats.org/officeDocument/2006/math" xmlns:a14="http://schemas.microsoft.com/office/drawing/2010/main" xmlns:ma14="http://schemas.microsoft.com/office/mac/drawingml/2011/main" val="1"/>
+              <ma14:wrappingTextBoxFlag xmlns:ma14="http://schemas.microsoft.com/office/mac/drawingml/2011/main" xmlns:a14="http://schemas.microsoft.com/office/drawing/2010/main" xmlns:m="http://schemas.openxmlformats.org/officeDocument/2006/math" xmlns="" val="1"/>
             </a:ext>
           </a:extLst>
         </p:spPr>
@@ -19387,7 +19403,7 @@
           </a:ln>
           <a:extLst>
             <a:ext uri="{C572A759-6A51-4108-AA02-DFA0A04FC94B}">
-              <ma14:wrappingTextBoxFlag xmlns="" xmlns:m="http://schemas.openxmlformats.org/officeDocument/2006/math" xmlns:a14="http://schemas.microsoft.com/office/drawing/2010/main" xmlns:ma14="http://schemas.microsoft.com/office/mac/drawingml/2011/main" val="1"/>
+              <ma14:wrappingTextBoxFlag xmlns:ma14="http://schemas.microsoft.com/office/mac/drawingml/2011/main" xmlns:a14="http://schemas.microsoft.com/office/drawing/2010/main" xmlns:m="http://schemas.openxmlformats.org/officeDocument/2006/math" xmlns="" val="1"/>
             </a:ext>
           </a:extLst>
         </p:spPr>
@@ -21199,7 +21215,7 @@
           </a:ln>
           <a:extLst>
             <a:ext uri="{C572A759-6A51-4108-AA02-DFA0A04FC94B}">
-              <ma14:wrappingTextBoxFlag xmlns="" xmlns:m="http://schemas.openxmlformats.org/officeDocument/2006/math" xmlns:a14="http://schemas.microsoft.com/office/drawing/2010/main" xmlns:ma14="http://schemas.microsoft.com/office/mac/drawingml/2011/main" val="1"/>
+              <ma14:wrappingTextBoxFlag xmlns:ma14="http://schemas.microsoft.com/office/mac/drawingml/2011/main" xmlns:a14="http://schemas.microsoft.com/office/drawing/2010/main" xmlns:m="http://schemas.openxmlformats.org/officeDocument/2006/math" xmlns="" val="1"/>
             </a:ext>
           </a:extLst>
         </p:spPr>
@@ -21265,7 +21281,7 @@
           </a:ln>
           <a:extLst>
             <a:ext uri="{C572A759-6A51-4108-AA02-DFA0A04FC94B}">
-              <ma14:wrappingTextBoxFlag xmlns="" xmlns:m="http://schemas.openxmlformats.org/officeDocument/2006/math" xmlns:a14="http://schemas.microsoft.com/office/drawing/2010/main" xmlns:ma14="http://schemas.microsoft.com/office/mac/drawingml/2011/main" val="1"/>
+              <ma14:wrappingTextBoxFlag xmlns:ma14="http://schemas.microsoft.com/office/mac/drawingml/2011/main" xmlns:a14="http://schemas.microsoft.com/office/drawing/2010/main" xmlns:m="http://schemas.openxmlformats.org/officeDocument/2006/math" xmlns="" val="1"/>
             </a:ext>
           </a:extLst>
         </p:spPr>
@@ -22477,7 +22493,7 @@
           </a:ln>
           <a:extLst>
             <a:ext uri="{C572A759-6A51-4108-AA02-DFA0A04FC94B}">
-              <ma14:wrappingTextBoxFlag xmlns="" xmlns:m="http://schemas.openxmlformats.org/officeDocument/2006/math" xmlns:a14="http://schemas.microsoft.com/office/drawing/2010/main" xmlns:ma14="http://schemas.microsoft.com/office/mac/drawingml/2011/main" val="1"/>
+              <ma14:wrappingTextBoxFlag xmlns:ma14="http://schemas.microsoft.com/office/mac/drawingml/2011/main" xmlns:a14="http://schemas.microsoft.com/office/drawing/2010/main" xmlns:m="http://schemas.openxmlformats.org/officeDocument/2006/math" xmlns="" val="1"/>
             </a:ext>
           </a:extLst>
         </p:spPr>
@@ -22544,7 +22560,7 @@
           <a:effectLst/>
           <a:extLst>
             <a:ext uri="{C572A759-6A51-4108-AA02-DFA0A04FC94B}">
-              <ma14:wrappingTextBoxFlag xmlns="" xmlns:m="http://schemas.openxmlformats.org/officeDocument/2006/math" xmlns:a14="http://schemas.microsoft.com/office/drawing/2010/main" xmlns:ma14="http://schemas.microsoft.com/office/mac/drawingml/2011/main" val="1"/>
+              <ma14:wrappingTextBoxFlag xmlns:ma14="http://schemas.microsoft.com/office/mac/drawingml/2011/main" xmlns:a14="http://schemas.microsoft.com/office/drawing/2010/main" xmlns:m="http://schemas.openxmlformats.org/officeDocument/2006/math" xmlns="" val="1"/>
             </a:ext>
           </a:extLst>
         </p:spPr>
@@ -22608,7 +22624,7 @@
           <a:effectLst/>
           <a:extLst>
             <a:ext uri="{C572A759-6A51-4108-AA02-DFA0A04FC94B}">
-              <ma14:wrappingTextBoxFlag xmlns="" xmlns:m="http://schemas.openxmlformats.org/officeDocument/2006/math" xmlns:a14="http://schemas.microsoft.com/office/drawing/2010/main" xmlns:ma14="http://schemas.microsoft.com/office/mac/drawingml/2011/main" val="1"/>
+              <ma14:wrappingTextBoxFlag xmlns:ma14="http://schemas.microsoft.com/office/mac/drawingml/2011/main" xmlns:a14="http://schemas.microsoft.com/office/drawing/2010/main" xmlns:m="http://schemas.openxmlformats.org/officeDocument/2006/math" xmlns="" val="1"/>
             </a:ext>
           </a:extLst>
         </p:spPr>
@@ -22668,7 +22684,7 @@
           <a:effectLst/>
           <a:extLst>
             <a:ext uri="{C572A759-6A51-4108-AA02-DFA0A04FC94B}">
-              <ma14:wrappingTextBoxFlag xmlns="" xmlns:m="http://schemas.openxmlformats.org/officeDocument/2006/math" xmlns:a14="http://schemas.microsoft.com/office/drawing/2010/main" xmlns:ma14="http://schemas.microsoft.com/office/mac/drawingml/2011/main" val="1"/>
+              <ma14:wrappingTextBoxFlag xmlns:ma14="http://schemas.microsoft.com/office/mac/drawingml/2011/main" xmlns:a14="http://schemas.microsoft.com/office/drawing/2010/main" xmlns:m="http://schemas.openxmlformats.org/officeDocument/2006/math" xmlns="" val="1"/>
             </a:ext>
           </a:extLst>
         </p:spPr>
@@ -24374,7 +24390,7 @@
           <a:effectLst/>
           <a:extLst>
             <a:ext uri="{C572A759-6A51-4108-AA02-DFA0A04FC94B}">
-              <ma14:wrappingTextBoxFlag xmlns="" xmlns:m="http://schemas.openxmlformats.org/officeDocument/2006/math" xmlns:a14="http://schemas.microsoft.com/office/drawing/2010/main" xmlns:ma14="http://schemas.microsoft.com/office/mac/drawingml/2011/main" val="1"/>
+              <ma14:wrappingTextBoxFlag xmlns:ma14="http://schemas.microsoft.com/office/mac/drawingml/2011/main" xmlns:a14="http://schemas.microsoft.com/office/drawing/2010/main" xmlns:m="http://schemas.openxmlformats.org/officeDocument/2006/math" xmlns="" val="1"/>
             </a:ext>
           </a:extLst>
         </p:spPr>
@@ -24434,7 +24450,7 @@
           <a:effectLst/>
           <a:extLst>
             <a:ext uri="{C572A759-6A51-4108-AA02-DFA0A04FC94B}">
-              <ma14:wrappingTextBoxFlag xmlns="" xmlns:m="http://schemas.openxmlformats.org/officeDocument/2006/math" xmlns:a14="http://schemas.microsoft.com/office/drawing/2010/main" xmlns:ma14="http://schemas.microsoft.com/office/mac/drawingml/2011/main" val="1"/>
+              <ma14:wrappingTextBoxFlag xmlns:ma14="http://schemas.microsoft.com/office/mac/drawingml/2011/main" xmlns:a14="http://schemas.microsoft.com/office/drawing/2010/main" xmlns:m="http://schemas.openxmlformats.org/officeDocument/2006/math" xmlns="" val="1"/>
             </a:ext>
           </a:extLst>
         </p:spPr>
@@ -24494,7 +24510,7 @@
           <a:effectLst/>
           <a:extLst>
             <a:ext uri="{C572A759-6A51-4108-AA02-DFA0A04FC94B}">
-              <ma14:wrappingTextBoxFlag xmlns="" xmlns:m="http://schemas.openxmlformats.org/officeDocument/2006/math" xmlns:a14="http://schemas.microsoft.com/office/drawing/2010/main" xmlns:ma14="http://schemas.microsoft.com/office/mac/drawingml/2011/main" val="1"/>
+              <ma14:wrappingTextBoxFlag xmlns:ma14="http://schemas.microsoft.com/office/mac/drawingml/2011/main" xmlns:a14="http://schemas.microsoft.com/office/drawing/2010/main" xmlns:m="http://schemas.openxmlformats.org/officeDocument/2006/math" xmlns="" val="1"/>
             </a:ext>
           </a:extLst>
         </p:spPr>
@@ -24554,7 +24570,7 @@
           <a:effectLst/>
           <a:extLst>
             <a:ext uri="{C572A759-6A51-4108-AA02-DFA0A04FC94B}">
-              <ma14:wrappingTextBoxFlag xmlns="" xmlns:m="http://schemas.openxmlformats.org/officeDocument/2006/math" xmlns:a14="http://schemas.microsoft.com/office/drawing/2010/main" xmlns:ma14="http://schemas.microsoft.com/office/mac/drawingml/2011/main" val="1"/>
+              <ma14:wrappingTextBoxFlag xmlns:ma14="http://schemas.microsoft.com/office/mac/drawingml/2011/main" xmlns:a14="http://schemas.microsoft.com/office/drawing/2010/main" xmlns:m="http://schemas.openxmlformats.org/officeDocument/2006/math" xmlns="" val="1"/>
             </a:ext>
           </a:extLst>
         </p:spPr>
@@ -24614,7 +24630,7 @@
           <a:effectLst/>
           <a:extLst>
             <a:ext uri="{C572A759-6A51-4108-AA02-DFA0A04FC94B}">
-              <ma14:wrappingTextBoxFlag xmlns="" xmlns:m="http://schemas.openxmlformats.org/officeDocument/2006/math" xmlns:a14="http://schemas.microsoft.com/office/drawing/2010/main" xmlns:ma14="http://schemas.microsoft.com/office/mac/drawingml/2011/main" val="1"/>
+              <ma14:wrappingTextBoxFlag xmlns:ma14="http://schemas.microsoft.com/office/mac/drawingml/2011/main" xmlns:a14="http://schemas.microsoft.com/office/drawing/2010/main" xmlns:m="http://schemas.openxmlformats.org/officeDocument/2006/math" xmlns="" val="1"/>
             </a:ext>
           </a:extLst>
         </p:spPr>
@@ -24674,7 +24690,7 @@
           <a:effectLst/>
           <a:extLst>
             <a:ext uri="{C572A759-6A51-4108-AA02-DFA0A04FC94B}">
-              <ma14:wrappingTextBoxFlag xmlns="" xmlns:m="http://schemas.openxmlformats.org/officeDocument/2006/math" xmlns:a14="http://schemas.microsoft.com/office/drawing/2010/main" xmlns:ma14="http://schemas.microsoft.com/office/mac/drawingml/2011/main" val="1"/>
+              <ma14:wrappingTextBoxFlag xmlns:ma14="http://schemas.microsoft.com/office/mac/drawingml/2011/main" xmlns:a14="http://schemas.microsoft.com/office/drawing/2010/main" xmlns:m="http://schemas.openxmlformats.org/officeDocument/2006/math" xmlns="" val="1"/>
             </a:ext>
           </a:extLst>
         </p:spPr>
@@ -24734,7 +24750,7 @@
           <a:effectLst/>
           <a:extLst>
             <a:ext uri="{C572A759-6A51-4108-AA02-DFA0A04FC94B}">
-              <ma14:wrappingTextBoxFlag xmlns="" xmlns:m="http://schemas.openxmlformats.org/officeDocument/2006/math" xmlns:a14="http://schemas.microsoft.com/office/drawing/2010/main" xmlns:ma14="http://schemas.microsoft.com/office/mac/drawingml/2011/main" val="1"/>
+              <ma14:wrappingTextBoxFlag xmlns:ma14="http://schemas.microsoft.com/office/mac/drawingml/2011/main" xmlns:a14="http://schemas.microsoft.com/office/drawing/2010/main" xmlns:m="http://schemas.openxmlformats.org/officeDocument/2006/math" xmlns="" val="1"/>
             </a:ext>
           </a:extLst>
         </p:spPr>
@@ -24794,7 +24810,7 @@
           <a:effectLst/>
           <a:extLst>
             <a:ext uri="{C572A759-6A51-4108-AA02-DFA0A04FC94B}">
-              <ma14:wrappingTextBoxFlag xmlns="" xmlns:m="http://schemas.openxmlformats.org/officeDocument/2006/math" xmlns:a14="http://schemas.microsoft.com/office/drawing/2010/main" xmlns:ma14="http://schemas.microsoft.com/office/mac/drawingml/2011/main" val="1"/>
+              <ma14:wrappingTextBoxFlag xmlns:ma14="http://schemas.microsoft.com/office/mac/drawingml/2011/main" xmlns:a14="http://schemas.microsoft.com/office/drawing/2010/main" xmlns:m="http://schemas.openxmlformats.org/officeDocument/2006/math" xmlns="" val="1"/>
             </a:ext>
           </a:extLst>
         </p:spPr>
@@ -24854,7 +24870,7 @@
           <a:effectLst/>
           <a:extLst>
             <a:ext uri="{C572A759-6A51-4108-AA02-DFA0A04FC94B}">
-              <ma14:wrappingTextBoxFlag xmlns="" xmlns:m="http://schemas.openxmlformats.org/officeDocument/2006/math" xmlns:a14="http://schemas.microsoft.com/office/drawing/2010/main" xmlns:ma14="http://schemas.microsoft.com/office/mac/drawingml/2011/main" val="1"/>
+              <ma14:wrappingTextBoxFlag xmlns:ma14="http://schemas.microsoft.com/office/mac/drawingml/2011/main" xmlns:a14="http://schemas.microsoft.com/office/drawing/2010/main" xmlns:m="http://schemas.openxmlformats.org/officeDocument/2006/math" xmlns="" val="1"/>
             </a:ext>
           </a:extLst>
         </p:spPr>
@@ -24909,7 +24925,7 @@
           </a:ln>
           <a:extLst>
             <a:ext uri="{C572A759-6A51-4108-AA02-DFA0A04FC94B}">
-              <ma14:wrappingTextBoxFlag xmlns="" xmlns:m="http://schemas.openxmlformats.org/officeDocument/2006/math" xmlns:a14="http://schemas.microsoft.com/office/drawing/2010/main" xmlns:ma14="http://schemas.microsoft.com/office/mac/drawingml/2011/main" val="1"/>
+              <ma14:wrappingTextBoxFlag xmlns:ma14="http://schemas.microsoft.com/office/mac/drawingml/2011/main" xmlns:a14="http://schemas.microsoft.com/office/drawing/2010/main" xmlns:m="http://schemas.openxmlformats.org/officeDocument/2006/math" xmlns="" val="1"/>
             </a:ext>
           </a:extLst>
         </p:spPr>
@@ -24976,7 +24992,7 @@
           <a:effectLst/>
           <a:extLst>
             <a:ext uri="{C572A759-6A51-4108-AA02-DFA0A04FC94B}">
-              <ma14:wrappingTextBoxFlag xmlns="" xmlns:m="http://schemas.openxmlformats.org/officeDocument/2006/math" xmlns:a14="http://schemas.microsoft.com/office/drawing/2010/main" xmlns:ma14="http://schemas.microsoft.com/office/mac/drawingml/2011/main" val="1"/>
+              <ma14:wrappingTextBoxFlag xmlns:ma14="http://schemas.microsoft.com/office/mac/drawingml/2011/main" xmlns:a14="http://schemas.microsoft.com/office/drawing/2010/main" xmlns:m="http://schemas.openxmlformats.org/officeDocument/2006/math" xmlns="" val="1"/>
             </a:ext>
           </a:extLst>
         </p:spPr>
@@ -26599,7 +26615,7 @@
           </a:ln>
           <a:extLst>
             <a:ext uri="{C572A759-6A51-4108-AA02-DFA0A04FC94B}">
-              <ma14:wrappingTextBoxFlag xmlns="" xmlns:m="http://schemas.openxmlformats.org/officeDocument/2006/math" xmlns:a14="http://schemas.microsoft.com/office/drawing/2010/main" xmlns:ma14="http://schemas.microsoft.com/office/mac/drawingml/2011/main" val="1"/>
+              <ma14:wrappingTextBoxFlag xmlns:ma14="http://schemas.microsoft.com/office/mac/drawingml/2011/main" xmlns:a14="http://schemas.microsoft.com/office/drawing/2010/main" xmlns:m="http://schemas.openxmlformats.org/officeDocument/2006/math" xmlns="" val="1"/>
             </a:ext>
           </a:extLst>
         </p:spPr>
@@ -26661,7 +26677,7 @@
           </a:ln>
           <a:extLst>
             <a:ext uri="{C572A759-6A51-4108-AA02-DFA0A04FC94B}">
-              <ma14:wrappingTextBoxFlag xmlns="" xmlns:m="http://schemas.openxmlformats.org/officeDocument/2006/math" xmlns:a14="http://schemas.microsoft.com/office/drawing/2010/main" xmlns:ma14="http://schemas.microsoft.com/office/mac/drawingml/2011/main" val="1"/>
+              <ma14:wrappingTextBoxFlag xmlns:ma14="http://schemas.microsoft.com/office/mac/drawingml/2011/main" xmlns:a14="http://schemas.microsoft.com/office/drawing/2010/main" xmlns:m="http://schemas.openxmlformats.org/officeDocument/2006/math" xmlns="" val="1"/>
             </a:ext>
           </a:extLst>
         </p:spPr>
@@ -26828,7 +26844,7 @@
             <a:effectLst/>
             <a:extLst>
               <a:ext uri="{C572A759-6A51-4108-AA02-DFA0A04FC94B}">
-                <ma14:wrappingTextBoxFlag xmlns="" xmlns:m="http://schemas.openxmlformats.org/officeDocument/2006/math" xmlns:a14="http://schemas.microsoft.com/office/drawing/2010/main" xmlns:ma14="http://schemas.microsoft.com/office/mac/drawingml/2011/main" val="1"/>
+                <ma14:wrappingTextBoxFlag xmlns:ma14="http://schemas.microsoft.com/office/mac/drawingml/2011/main" xmlns:a14="http://schemas.microsoft.com/office/drawing/2010/main" xmlns:m="http://schemas.openxmlformats.org/officeDocument/2006/math" xmlns="" val="1"/>
               </a:ext>
             </a:extLst>
           </p:spPr>
@@ -26901,7 +26917,7 @@
             <a:effectLst/>
             <a:extLst>
               <a:ext uri="{C572A759-6A51-4108-AA02-DFA0A04FC94B}">
-                <ma14:wrappingTextBoxFlag xmlns="" xmlns:m="http://schemas.openxmlformats.org/officeDocument/2006/math" xmlns:a14="http://schemas.microsoft.com/office/drawing/2010/main" xmlns:ma14="http://schemas.microsoft.com/office/mac/drawingml/2011/main" val="1"/>
+                <ma14:wrappingTextBoxFlag xmlns:ma14="http://schemas.microsoft.com/office/mac/drawingml/2011/main" xmlns:a14="http://schemas.microsoft.com/office/drawing/2010/main" xmlns:m="http://schemas.openxmlformats.org/officeDocument/2006/math" xmlns="" val="1"/>
               </a:ext>
             </a:extLst>
           </p:spPr>
@@ -26974,7 +26990,7 @@
             <a:effectLst/>
             <a:extLst>
               <a:ext uri="{C572A759-6A51-4108-AA02-DFA0A04FC94B}">
-                <ma14:wrappingTextBoxFlag xmlns="" xmlns:m="http://schemas.openxmlformats.org/officeDocument/2006/math" xmlns:a14="http://schemas.microsoft.com/office/drawing/2010/main" xmlns:ma14="http://schemas.microsoft.com/office/mac/drawingml/2011/main" val="1"/>
+                <ma14:wrappingTextBoxFlag xmlns:ma14="http://schemas.microsoft.com/office/mac/drawingml/2011/main" xmlns:a14="http://schemas.microsoft.com/office/drawing/2010/main" xmlns:m="http://schemas.openxmlformats.org/officeDocument/2006/math" xmlns="" val="1"/>
               </a:ext>
             </a:extLst>
           </p:spPr>
@@ -27047,7 +27063,7 @@
             <a:effectLst/>
             <a:extLst>
               <a:ext uri="{C572A759-6A51-4108-AA02-DFA0A04FC94B}">
-                <ma14:wrappingTextBoxFlag xmlns="" xmlns:m="http://schemas.openxmlformats.org/officeDocument/2006/math" xmlns:a14="http://schemas.microsoft.com/office/drawing/2010/main" xmlns:ma14="http://schemas.microsoft.com/office/mac/drawingml/2011/main" val="1"/>
+                <ma14:wrappingTextBoxFlag xmlns:ma14="http://schemas.microsoft.com/office/mac/drawingml/2011/main" xmlns:a14="http://schemas.microsoft.com/office/drawing/2010/main" xmlns:m="http://schemas.openxmlformats.org/officeDocument/2006/math" xmlns="" val="1"/>
               </a:ext>
             </a:extLst>
           </p:spPr>
@@ -27120,7 +27136,7 @@
             <a:effectLst/>
             <a:extLst>
               <a:ext uri="{C572A759-6A51-4108-AA02-DFA0A04FC94B}">
-                <ma14:wrappingTextBoxFlag xmlns="" xmlns:m="http://schemas.openxmlformats.org/officeDocument/2006/math" xmlns:a14="http://schemas.microsoft.com/office/drawing/2010/main" xmlns:ma14="http://schemas.microsoft.com/office/mac/drawingml/2011/main" val="1"/>
+                <ma14:wrappingTextBoxFlag xmlns:ma14="http://schemas.microsoft.com/office/mac/drawingml/2011/main" xmlns:a14="http://schemas.microsoft.com/office/drawing/2010/main" xmlns:m="http://schemas.openxmlformats.org/officeDocument/2006/math" xmlns="" val="1"/>
               </a:ext>
             </a:extLst>
           </p:spPr>
@@ -27193,7 +27209,7 @@
             <a:effectLst/>
             <a:extLst>
               <a:ext uri="{C572A759-6A51-4108-AA02-DFA0A04FC94B}">
-                <ma14:wrappingTextBoxFlag xmlns="" xmlns:m="http://schemas.openxmlformats.org/officeDocument/2006/math" xmlns:a14="http://schemas.microsoft.com/office/drawing/2010/main" xmlns:ma14="http://schemas.microsoft.com/office/mac/drawingml/2011/main" val="1"/>
+                <ma14:wrappingTextBoxFlag xmlns:ma14="http://schemas.microsoft.com/office/mac/drawingml/2011/main" xmlns:a14="http://schemas.microsoft.com/office/drawing/2010/main" xmlns:m="http://schemas.openxmlformats.org/officeDocument/2006/math" xmlns="" val="1"/>
               </a:ext>
             </a:extLst>
           </p:spPr>
@@ -27351,7 +27367,7 @@
           </a:ln>
           <a:extLst>
             <a:ext uri="{C572A759-6A51-4108-AA02-DFA0A04FC94B}">
-              <ma14:wrappingTextBoxFlag xmlns="" xmlns:m="http://schemas.openxmlformats.org/officeDocument/2006/math" xmlns:a14="http://schemas.microsoft.com/office/drawing/2010/main" xmlns:ma14="http://schemas.microsoft.com/office/mac/drawingml/2011/main" val="1"/>
+              <ma14:wrappingTextBoxFlag xmlns:ma14="http://schemas.microsoft.com/office/mac/drawingml/2011/main" xmlns:a14="http://schemas.microsoft.com/office/drawing/2010/main" xmlns:m="http://schemas.openxmlformats.org/officeDocument/2006/math" xmlns="" val="1"/>
             </a:ext>
           </a:extLst>
         </p:spPr>
